--- a/Presentation/Présentation du projet .pptx
+++ b/Presentation/Présentation du projet .pptx
@@ -4,10 +4,14 @@
   <p:sldMasterIdLst>
     <p:sldMasterId id="2147483678" r:id="rId1"/>
   </p:sldMasterIdLst>
+  <p:notesMasterIdLst>
+    <p:notesMasterId r:id="rId6"/>
+  </p:notesMasterIdLst>
   <p:sldIdLst>
     <p:sldId id="256" r:id="rId2"/>
     <p:sldId id="258" r:id="rId3"/>
     <p:sldId id="257" r:id="rId4"/>
+    <p:sldId id="260" r:id="rId5"/>
   </p:sldIdLst>
   <p:sldSz cx="12192000" cy="6858000"/>
   <p:notesSz cx="6858000" cy="9144000"/>
@@ -106,7 +110,1107 @@
       </a:defRPr>
     </a:lvl9pPr>
   </p:defaultTextStyle>
+  <p:extLst>
+    <p:ext uri="{EFAFB233-063F-42B5-8137-9DF3F51BA10A}">
+      <p15:sldGuideLst xmlns:p15="http://schemas.microsoft.com/office/powerpoint/2012/main"/>
+    </p:ext>
+  </p:extLst>
 </p:presentation>
+</file>
+
+<file path=ppt/notesMasters/notesMaster1.xml><?xml version="1.0" encoding="utf-8"?>
+<p:notesMaster xmlns:a="http://schemas.openxmlformats.org/drawingml/2006/main" xmlns:r="http://schemas.openxmlformats.org/officeDocument/2006/relationships" xmlns:p="http://schemas.openxmlformats.org/presentationml/2006/main">
+  <p:cSld>
+    <p:bg>
+      <p:bgRef idx="1001">
+        <a:schemeClr val="bg1"/>
+      </p:bgRef>
+    </p:bg>
+    <p:spTree>
+      <p:nvGrpSpPr>
+        <p:cNvPr id="1" name=""/>
+        <p:cNvGrpSpPr/>
+        <p:nvPr/>
+      </p:nvGrpSpPr>
+      <p:grpSpPr>
+        <a:xfrm>
+          <a:off x="0" y="0"/>
+          <a:ext cx="0" cy="0"/>
+          <a:chOff x="0" y="0"/>
+          <a:chExt cx="0" cy="0"/>
+        </a:xfrm>
+      </p:grpSpPr>
+      <p:sp>
+        <p:nvSpPr>
+          <p:cNvPr id="2" name="Espace réservé de l'en-tête 1"/>
+          <p:cNvSpPr>
+            <a:spLocks noGrp="1"/>
+          </p:cNvSpPr>
+          <p:nvPr>
+            <p:ph type="hdr" sz="quarter"/>
+          </p:nvPr>
+        </p:nvSpPr>
+        <p:spPr>
+          <a:xfrm>
+            <a:off x="0" y="0"/>
+            <a:ext cx="2971800" cy="458788"/>
+          </a:xfrm>
+          <a:prstGeom prst="rect">
+            <a:avLst/>
+          </a:prstGeom>
+        </p:spPr>
+        <p:txBody>
+          <a:bodyPr vert="horz" lIns="91440" tIns="45720" rIns="91440" bIns="45720" rtlCol="0"/>
+          <a:lstStyle>
+            <a:lvl1pPr algn="l">
+              <a:defRPr sz="1200"/>
+            </a:lvl1pPr>
+          </a:lstStyle>
+          <a:p>
+            <a:endParaRPr lang="fr-CH"/>
+          </a:p>
+        </p:txBody>
+      </p:sp>
+      <p:sp>
+        <p:nvSpPr>
+          <p:cNvPr id="3" name="Espace réservé de la date 2"/>
+          <p:cNvSpPr>
+            <a:spLocks noGrp="1"/>
+          </p:cNvSpPr>
+          <p:nvPr>
+            <p:ph type="dt" idx="1"/>
+          </p:nvPr>
+        </p:nvSpPr>
+        <p:spPr>
+          <a:xfrm>
+            <a:off x="3884613" y="0"/>
+            <a:ext cx="2971800" cy="458788"/>
+          </a:xfrm>
+          <a:prstGeom prst="rect">
+            <a:avLst/>
+          </a:prstGeom>
+        </p:spPr>
+        <p:txBody>
+          <a:bodyPr vert="horz" lIns="91440" tIns="45720" rIns="91440" bIns="45720" rtlCol="0"/>
+          <a:lstStyle>
+            <a:lvl1pPr algn="r">
+              <a:defRPr sz="1200"/>
+            </a:lvl1pPr>
+          </a:lstStyle>
+          <a:p>
+            <a:fld id="{A0CB11A7-EF10-4209-B62B-4C91A6D89B19}" type="datetimeFigureOut">
+              <a:rPr lang="fr-CH" smtClean="0"/>
+              <a:t>17.06.2025</a:t>
+            </a:fld>
+            <a:endParaRPr lang="fr-CH"/>
+          </a:p>
+        </p:txBody>
+      </p:sp>
+      <p:sp>
+        <p:nvSpPr>
+          <p:cNvPr id="4" name="Espace réservé de l'image des diapositives 3"/>
+          <p:cNvSpPr>
+            <a:spLocks noGrp="1" noRot="1" noChangeAspect="1"/>
+          </p:cNvSpPr>
+          <p:nvPr>
+            <p:ph type="sldImg" idx="2"/>
+          </p:nvPr>
+        </p:nvSpPr>
+        <p:spPr>
+          <a:xfrm>
+            <a:off x="685800" y="1143000"/>
+            <a:ext cx="5486400" cy="3086100"/>
+          </a:xfrm>
+          <a:prstGeom prst="rect">
+            <a:avLst/>
+          </a:prstGeom>
+          <a:noFill/>
+          <a:ln w="12700">
+            <a:solidFill>
+              <a:prstClr val="black"/>
+            </a:solidFill>
+          </a:ln>
+        </p:spPr>
+        <p:txBody>
+          <a:bodyPr vert="horz" lIns="91440" tIns="45720" rIns="91440" bIns="45720" rtlCol="0" anchor="ctr"/>
+          <a:lstStyle/>
+          <a:p>
+            <a:endParaRPr lang="fr-CH"/>
+          </a:p>
+        </p:txBody>
+      </p:sp>
+      <p:sp>
+        <p:nvSpPr>
+          <p:cNvPr id="5" name="Espace réservé des notes 4"/>
+          <p:cNvSpPr>
+            <a:spLocks noGrp="1"/>
+          </p:cNvSpPr>
+          <p:nvPr>
+            <p:ph type="body" sz="quarter" idx="3"/>
+          </p:nvPr>
+        </p:nvSpPr>
+        <p:spPr>
+          <a:xfrm>
+            <a:off x="685800" y="4400550"/>
+            <a:ext cx="5486400" cy="3600450"/>
+          </a:xfrm>
+          <a:prstGeom prst="rect">
+            <a:avLst/>
+          </a:prstGeom>
+        </p:spPr>
+        <p:txBody>
+          <a:bodyPr vert="horz" lIns="91440" tIns="45720" rIns="91440" bIns="45720" rtlCol="0"/>
+          <a:lstStyle/>
+          <a:p>
+            <a:pPr lvl="0"/>
+            <a:r>
+              <a:rPr lang="fr-FR"/>
+              <a:t>Cliquez pour modifier les styles du texte du masque</a:t>
+            </a:r>
+          </a:p>
+          <a:p>
+            <a:pPr lvl="1"/>
+            <a:r>
+              <a:rPr lang="fr-FR"/>
+              <a:t>Deuxième niveau</a:t>
+            </a:r>
+          </a:p>
+          <a:p>
+            <a:pPr lvl="2"/>
+            <a:r>
+              <a:rPr lang="fr-FR"/>
+              <a:t>Troisième niveau</a:t>
+            </a:r>
+          </a:p>
+          <a:p>
+            <a:pPr lvl="3"/>
+            <a:r>
+              <a:rPr lang="fr-FR"/>
+              <a:t>Quatrième niveau</a:t>
+            </a:r>
+          </a:p>
+          <a:p>
+            <a:pPr lvl="4"/>
+            <a:r>
+              <a:rPr lang="fr-FR"/>
+              <a:t>Cinquième niveau</a:t>
+            </a:r>
+            <a:endParaRPr lang="fr-CH"/>
+          </a:p>
+        </p:txBody>
+      </p:sp>
+      <p:sp>
+        <p:nvSpPr>
+          <p:cNvPr id="6" name="Espace réservé du pied de page 5"/>
+          <p:cNvSpPr>
+            <a:spLocks noGrp="1"/>
+          </p:cNvSpPr>
+          <p:nvPr>
+            <p:ph type="ftr" sz="quarter" idx="4"/>
+          </p:nvPr>
+        </p:nvSpPr>
+        <p:spPr>
+          <a:xfrm>
+            <a:off x="0" y="8685213"/>
+            <a:ext cx="2971800" cy="458787"/>
+          </a:xfrm>
+          <a:prstGeom prst="rect">
+            <a:avLst/>
+          </a:prstGeom>
+        </p:spPr>
+        <p:txBody>
+          <a:bodyPr vert="horz" lIns="91440" tIns="45720" rIns="91440" bIns="45720" rtlCol="0" anchor="b"/>
+          <a:lstStyle>
+            <a:lvl1pPr algn="l">
+              <a:defRPr sz="1200"/>
+            </a:lvl1pPr>
+          </a:lstStyle>
+          <a:p>
+            <a:endParaRPr lang="fr-CH"/>
+          </a:p>
+        </p:txBody>
+      </p:sp>
+      <p:sp>
+        <p:nvSpPr>
+          <p:cNvPr id="7" name="Espace réservé du numéro de diapositive 6"/>
+          <p:cNvSpPr>
+            <a:spLocks noGrp="1"/>
+          </p:cNvSpPr>
+          <p:nvPr>
+            <p:ph type="sldNum" sz="quarter" idx="5"/>
+          </p:nvPr>
+        </p:nvSpPr>
+        <p:spPr>
+          <a:xfrm>
+            <a:off x="3884613" y="8685213"/>
+            <a:ext cx="2971800" cy="458787"/>
+          </a:xfrm>
+          <a:prstGeom prst="rect">
+            <a:avLst/>
+          </a:prstGeom>
+        </p:spPr>
+        <p:txBody>
+          <a:bodyPr vert="horz" lIns="91440" tIns="45720" rIns="91440" bIns="45720" rtlCol="0" anchor="b"/>
+          <a:lstStyle>
+            <a:lvl1pPr algn="r">
+              <a:defRPr sz="1200"/>
+            </a:lvl1pPr>
+          </a:lstStyle>
+          <a:p>
+            <a:fld id="{91D21BD5-1B28-46FB-88ED-F8B8A4C96E1F}" type="slidenum">
+              <a:rPr lang="fr-CH" smtClean="0"/>
+              <a:t>‹N°›</a:t>
+            </a:fld>
+            <a:endParaRPr lang="fr-CH"/>
+          </a:p>
+        </p:txBody>
+      </p:sp>
+    </p:spTree>
+    <p:extLst>
+      <p:ext uri="{BB962C8B-B14F-4D97-AF65-F5344CB8AC3E}">
+        <p14:creationId xmlns:p14="http://schemas.microsoft.com/office/powerpoint/2010/main" val="3886840103"/>
+      </p:ext>
+    </p:extLst>
+  </p:cSld>
+  <p:clrMap bg1="lt1" tx1="dk1" bg2="lt2" tx2="dk2" accent1="accent1" accent2="accent2" accent3="accent3" accent4="accent4" accent5="accent5" accent6="accent6" hlink="hlink" folHlink="folHlink"/>
+  <p:notesStyle>
+    <a:lvl1pPr marL="0" algn="l" defTabSz="914400" rtl="0" eaLnBrk="1" latinLnBrk="0" hangingPunct="1">
+      <a:defRPr sz="1200" kern="1200">
+        <a:solidFill>
+          <a:schemeClr val="tx1"/>
+        </a:solidFill>
+        <a:latin typeface="+mn-lt"/>
+        <a:ea typeface="+mn-ea"/>
+        <a:cs typeface="+mn-cs"/>
+      </a:defRPr>
+    </a:lvl1pPr>
+    <a:lvl2pPr marL="457200" algn="l" defTabSz="914400" rtl="0" eaLnBrk="1" latinLnBrk="0" hangingPunct="1">
+      <a:defRPr sz="1200" kern="1200">
+        <a:solidFill>
+          <a:schemeClr val="tx1"/>
+        </a:solidFill>
+        <a:latin typeface="+mn-lt"/>
+        <a:ea typeface="+mn-ea"/>
+        <a:cs typeface="+mn-cs"/>
+      </a:defRPr>
+    </a:lvl2pPr>
+    <a:lvl3pPr marL="914400" algn="l" defTabSz="914400" rtl="0" eaLnBrk="1" latinLnBrk="0" hangingPunct="1">
+      <a:defRPr sz="1200" kern="1200">
+        <a:solidFill>
+          <a:schemeClr val="tx1"/>
+        </a:solidFill>
+        <a:latin typeface="+mn-lt"/>
+        <a:ea typeface="+mn-ea"/>
+        <a:cs typeface="+mn-cs"/>
+      </a:defRPr>
+    </a:lvl3pPr>
+    <a:lvl4pPr marL="1371600" algn="l" defTabSz="914400" rtl="0" eaLnBrk="1" latinLnBrk="0" hangingPunct="1">
+      <a:defRPr sz="1200" kern="1200">
+        <a:solidFill>
+          <a:schemeClr val="tx1"/>
+        </a:solidFill>
+        <a:latin typeface="+mn-lt"/>
+        <a:ea typeface="+mn-ea"/>
+        <a:cs typeface="+mn-cs"/>
+      </a:defRPr>
+    </a:lvl4pPr>
+    <a:lvl5pPr marL="1828800" algn="l" defTabSz="914400" rtl="0" eaLnBrk="1" latinLnBrk="0" hangingPunct="1">
+      <a:defRPr sz="1200" kern="1200">
+        <a:solidFill>
+          <a:schemeClr val="tx1"/>
+        </a:solidFill>
+        <a:latin typeface="+mn-lt"/>
+        <a:ea typeface="+mn-ea"/>
+        <a:cs typeface="+mn-cs"/>
+      </a:defRPr>
+    </a:lvl5pPr>
+    <a:lvl6pPr marL="2286000" algn="l" defTabSz="914400" rtl="0" eaLnBrk="1" latinLnBrk="0" hangingPunct="1">
+      <a:defRPr sz="1200" kern="1200">
+        <a:solidFill>
+          <a:schemeClr val="tx1"/>
+        </a:solidFill>
+        <a:latin typeface="+mn-lt"/>
+        <a:ea typeface="+mn-ea"/>
+        <a:cs typeface="+mn-cs"/>
+      </a:defRPr>
+    </a:lvl6pPr>
+    <a:lvl7pPr marL="2743200" algn="l" defTabSz="914400" rtl="0" eaLnBrk="1" latinLnBrk="0" hangingPunct="1">
+      <a:defRPr sz="1200" kern="1200">
+        <a:solidFill>
+          <a:schemeClr val="tx1"/>
+        </a:solidFill>
+        <a:latin typeface="+mn-lt"/>
+        <a:ea typeface="+mn-ea"/>
+        <a:cs typeface="+mn-cs"/>
+      </a:defRPr>
+    </a:lvl7pPr>
+    <a:lvl8pPr marL="3200400" algn="l" defTabSz="914400" rtl="0" eaLnBrk="1" latinLnBrk="0" hangingPunct="1">
+      <a:defRPr sz="1200" kern="1200">
+        <a:solidFill>
+          <a:schemeClr val="tx1"/>
+        </a:solidFill>
+        <a:latin typeface="+mn-lt"/>
+        <a:ea typeface="+mn-ea"/>
+        <a:cs typeface="+mn-cs"/>
+      </a:defRPr>
+    </a:lvl8pPr>
+    <a:lvl9pPr marL="3657600" algn="l" defTabSz="914400" rtl="0" eaLnBrk="1" latinLnBrk="0" hangingPunct="1">
+      <a:defRPr sz="1200" kern="1200">
+        <a:solidFill>
+          <a:schemeClr val="tx1"/>
+        </a:solidFill>
+        <a:latin typeface="+mn-lt"/>
+        <a:ea typeface="+mn-ea"/>
+        <a:cs typeface="+mn-cs"/>
+      </a:defRPr>
+    </a:lvl9pPr>
+  </p:notesStyle>
+</p:notesMaster>
+</file>
+
+<file path=ppt/notesSlides/notesSlide1.xml><?xml version="1.0" encoding="utf-8"?>
+<p:notes xmlns:a="http://schemas.openxmlformats.org/drawingml/2006/main" xmlns:r="http://schemas.openxmlformats.org/officeDocument/2006/relationships" xmlns:p="http://schemas.openxmlformats.org/presentationml/2006/main">
+  <p:cSld>
+    <p:spTree>
+      <p:nvGrpSpPr>
+        <p:cNvPr id="1" name=""/>
+        <p:cNvGrpSpPr/>
+        <p:nvPr/>
+      </p:nvGrpSpPr>
+      <p:grpSpPr>
+        <a:xfrm>
+          <a:off x="0" y="0"/>
+          <a:ext cx="0" cy="0"/>
+          <a:chOff x="0" y="0"/>
+          <a:chExt cx="0" cy="0"/>
+        </a:xfrm>
+      </p:grpSpPr>
+      <p:sp>
+        <p:nvSpPr>
+          <p:cNvPr id="2" name="Espace réservé de l'image des diapositives 1"/>
+          <p:cNvSpPr>
+            <a:spLocks noGrp="1" noRot="1" noChangeAspect="1"/>
+          </p:cNvSpPr>
+          <p:nvPr>
+            <p:ph type="sldImg"/>
+          </p:nvPr>
+        </p:nvSpPr>
+        <p:spPr/>
+      </p:sp>
+      <p:sp>
+        <p:nvSpPr>
+          <p:cNvPr id="3" name="Espace réservé des notes 2"/>
+          <p:cNvSpPr>
+            <a:spLocks noGrp="1"/>
+          </p:cNvSpPr>
+          <p:nvPr>
+            <p:ph type="body" idx="1"/>
+          </p:nvPr>
+        </p:nvSpPr>
+        <p:spPr/>
+        <p:txBody>
+          <a:bodyPr/>
+          <a:lstStyle/>
+          <a:p>
+            <a:pPr marL="171450" indent="-171450">
+              <a:buFontTx/>
+              <a:buChar char="-"/>
+            </a:pPr>
+            <a:r>
+              <a:rPr lang="fr-CH" dirty="0"/>
+              <a:t>Choix vaste de possibilités  -&gt; parti sur gestion de Budget</a:t>
+            </a:r>
+          </a:p>
+          <a:p>
+            <a:pPr marL="171450" indent="-171450">
+              <a:buFontTx/>
+              <a:buChar char="-"/>
+            </a:pPr>
+            <a:endParaRPr lang="fr-CH" dirty="0"/>
+          </a:p>
+          <a:p>
+            <a:pPr marL="171450" indent="-171450">
+              <a:buFontTx/>
+              <a:buChar char="-"/>
+            </a:pPr>
+            <a:r>
+              <a:rPr lang="fr-CH" dirty="0"/>
+              <a:t>Projet Java Swing Interface Homme Machine</a:t>
+            </a:r>
+          </a:p>
+          <a:p>
+            <a:pPr marL="171450" indent="-171450">
+              <a:buFontTx/>
+              <a:buChar char="-"/>
+            </a:pPr>
+            <a:endParaRPr lang="fr-CH" dirty="0"/>
+          </a:p>
+          <a:p>
+            <a:pPr marL="171450" indent="-171450">
+              <a:buFontTx/>
+              <a:buChar char="-"/>
+            </a:pPr>
+            <a:r>
+              <a:rPr lang="fr-CH" dirty="0"/>
+              <a:t>On a réfléchi au châssis dans un premier temps</a:t>
+            </a:r>
+          </a:p>
+          <a:p>
+            <a:pPr marL="171450" indent="-171450">
+              <a:buFontTx/>
+              <a:buChar char="-"/>
+            </a:pPr>
+            <a:endParaRPr lang="fr-CH" dirty="0"/>
+          </a:p>
+          <a:p>
+            <a:pPr marL="171450" indent="-171450">
+              <a:buFontTx/>
+              <a:buChar char="-"/>
+            </a:pPr>
+            <a:r>
+              <a:rPr lang="fr-CH" dirty="0"/>
+              <a:t>Elaboration d’une esquisse </a:t>
+            </a:r>
+          </a:p>
+          <a:p>
+            <a:pPr marL="171450" indent="-171450">
+              <a:buFontTx/>
+              <a:buChar char="-"/>
+            </a:pPr>
+            <a:endParaRPr lang="fr-CH" dirty="0"/>
+          </a:p>
+          <a:p>
+            <a:pPr marL="0" indent="0">
+              <a:buFontTx/>
+              <a:buNone/>
+            </a:pPr>
+            <a:endParaRPr lang="fr-CH" dirty="0"/>
+          </a:p>
+        </p:txBody>
+      </p:sp>
+      <p:sp>
+        <p:nvSpPr>
+          <p:cNvPr id="4" name="Espace réservé du numéro de diapositive 3"/>
+          <p:cNvSpPr>
+            <a:spLocks noGrp="1"/>
+          </p:cNvSpPr>
+          <p:nvPr>
+            <p:ph type="sldNum" sz="quarter" idx="5"/>
+          </p:nvPr>
+        </p:nvSpPr>
+        <p:spPr/>
+        <p:txBody>
+          <a:bodyPr/>
+          <a:lstStyle/>
+          <a:p>
+            <a:fld id="{91D21BD5-1B28-46FB-88ED-F8B8A4C96E1F}" type="slidenum">
+              <a:rPr lang="fr-CH" smtClean="0"/>
+              <a:t>1</a:t>
+            </a:fld>
+            <a:endParaRPr lang="fr-CH"/>
+          </a:p>
+        </p:txBody>
+      </p:sp>
+    </p:spTree>
+    <p:extLst>
+      <p:ext uri="{BB962C8B-B14F-4D97-AF65-F5344CB8AC3E}">
+        <p14:creationId xmlns:p14="http://schemas.microsoft.com/office/powerpoint/2010/main" val="3518351943"/>
+      </p:ext>
+    </p:extLst>
+  </p:cSld>
+  <p:clrMapOvr>
+    <a:masterClrMapping/>
+  </p:clrMapOvr>
+</p:notes>
+</file>
+
+<file path=ppt/notesSlides/notesSlide2.xml><?xml version="1.0" encoding="utf-8"?>
+<p:notes xmlns:a="http://schemas.openxmlformats.org/drawingml/2006/main" xmlns:r="http://schemas.openxmlformats.org/officeDocument/2006/relationships" xmlns:p="http://schemas.openxmlformats.org/presentationml/2006/main">
+  <p:cSld>
+    <p:spTree>
+      <p:nvGrpSpPr>
+        <p:cNvPr id="1" name=""/>
+        <p:cNvGrpSpPr/>
+        <p:nvPr/>
+      </p:nvGrpSpPr>
+      <p:grpSpPr>
+        <a:xfrm>
+          <a:off x="0" y="0"/>
+          <a:ext cx="0" cy="0"/>
+          <a:chOff x="0" y="0"/>
+          <a:chExt cx="0" cy="0"/>
+        </a:xfrm>
+      </p:grpSpPr>
+      <p:sp>
+        <p:nvSpPr>
+          <p:cNvPr id="2" name="Espace réservé de l'image des diapositives 1"/>
+          <p:cNvSpPr>
+            <a:spLocks noGrp="1" noRot="1" noChangeAspect="1"/>
+          </p:cNvSpPr>
+          <p:nvPr>
+            <p:ph type="sldImg"/>
+          </p:nvPr>
+        </p:nvSpPr>
+        <p:spPr/>
+      </p:sp>
+      <p:sp>
+        <p:nvSpPr>
+          <p:cNvPr id="3" name="Espace réservé des notes 2"/>
+          <p:cNvSpPr>
+            <a:spLocks noGrp="1"/>
+          </p:cNvSpPr>
+          <p:nvPr>
+            <p:ph type="body" idx="1"/>
+          </p:nvPr>
+        </p:nvSpPr>
+        <p:spPr/>
+        <p:txBody>
+          <a:bodyPr/>
+          <a:lstStyle/>
+          <a:p>
+            <a:pPr marL="228600" indent="-228600">
+              <a:buAutoNum type="arabicPeriod"/>
+            </a:pPr>
+            <a:r>
+              <a:rPr lang="fr-CH" dirty="0"/>
+              <a:t>Menu Bar -&gt; titre – fichier – help</a:t>
+            </a:r>
+          </a:p>
+          <a:p>
+            <a:pPr marL="228600" indent="-228600">
+              <a:buAutoNum type="arabicPeriod"/>
+            </a:pPr>
+            <a:endParaRPr lang="fr-CH" dirty="0"/>
+          </a:p>
+          <a:p>
+            <a:pPr marL="228600" indent="-228600">
+              <a:buAutoNum type="arabicPeriod"/>
+            </a:pPr>
+            <a:r>
+              <a:rPr lang="fr-CH" dirty="0"/>
+              <a:t>Panel Formulaire de saisie pour l’utilisateur</a:t>
+            </a:r>
+          </a:p>
+          <a:p>
+            <a:pPr marL="628650" lvl="1" indent="-171450">
+              <a:buFontTx/>
+              <a:buChar char="-"/>
+            </a:pPr>
+            <a:r>
+              <a:rPr lang="fr-CH" dirty="0"/>
+              <a:t>3 champs</a:t>
+            </a:r>
+          </a:p>
+          <a:p>
+            <a:pPr marL="628650" lvl="1" indent="-171450">
+              <a:buFontTx/>
+              <a:buChar char="-"/>
+            </a:pPr>
+            <a:r>
+              <a:rPr lang="fr-CH" dirty="0"/>
+              <a:t>Menu déroulant pour la date</a:t>
+            </a:r>
+          </a:p>
+          <a:p>
+            <a:pPr marL="628650" lvl="1" indent="-171450">
+              <a:buFontTx/>
+              <a:buChar char="-"/>
+            </a:pPr>
+            <a:r>
+              <a:rPr lang="fr-CH" dirty="0"/>
+              <a:t>Boutons Crédit et Débit</a:t>
+            </a:r>
+          </a:p>
+          <a:p>
+            <a:pPr marL="228600" indent="-228600">
+              <a:buAutoNum type="arabicPeriod"/>
+            </a:pPr>
+            <a:endParaRPr lang="fr-CH" dirty="0"/>
+          </a:p>
+          <a:p>
+            <a:pPr marL="228600" indent="-228600">
+              <a:buAutoNum type="arabicPeriod"/>
+            </a:pPr>
+            <a:r>
+              <a:rPr lang="fr-CH" dirty="0"/>
+              <a:t>Table</a:t>
+            </a:r>
+          </a:p>
+          <a:p>
+            <a:pPr marL="228600" indent="-228600">
+              <a:buAutoNum type="arabicPeriod"/>
+            </a:pPr>
+            <a:endParaRPr lang="fr-CH" dirty="0"/>
+          </a:p>
+          <a:p>
+            <a:pPr marL="228600" indent="-228600">
+              <a:buAutoNum type="arabicPeriod"/>
+            </a:pPr>
+            <a:r>
+              <a:rPr lang="fr-CH" dirty="0"/>
+              <a:t>Menu de filtres pour effectuer des recherches</a:t>
+            </a:r>
+          </a:p>
+          <a:p>
+            <a:pPr marL="228600" indent="-228600">
+              <a:buAutoNum type="arabicPeriod"/>
+            </a:pPr>
+            <a:endParaRPr lang="fr-CH" dirty="0"/>
+          </a:p>
+          <a:p>
+            <a:pPr marL="228600" indent="-228600">
+              <a:buAutoNum type="arabicPeriod"/>
+            </a:pPr>
+            <a:r>
+              <a:rPr lang="fr-CH" dirty="0" err="1"/>
+              <a:t>Textfields</a:t>
+            </a:r>
+            <a:r>
+              <a:rPr lang="fr-CH" dirty="0"/>
+              <a:t> pour les totaux</a:t>
+            </a:r>
+          </a:p>
+          <a:p>
+            <a:pPr marL="228600" indent="-228600">
+              <a:buAutoNum type="arabicPeriod"/>
+            </a:pPr>
+            <a:endParaRPr lang="fr-CH" dirty="0"/>
+          </a:p>
+          <a:p>
+            <a:pPr marL="228600" indent="-228600">
+              <a:buAutoNum type="arabicPeriod"/>
+            </a:pPr>
+            <a:r>
+              <a:rPr lang="fr-CH" dirty="0"/>
+              <a:t>Tous ces éléments assemblés constitue notre application</a:t>
+            </a:r>
+          </a:p>
+          <a:p>
+            <a:pPr marL="228600" indent="-228600">
+              <a:buAutoNum type="arabicPeriod"/>
+            </a:pPr>
+            <a:endParaRPr lang="fr-CH" dirty="0"/>
+          </a:p>
+          <a:p>
+            <a:pPr marL="228600" indent="-228600">
+              <a:buAutoNum type="arabicPeriod"/>
+            </a:pPr>
+            <a:r>
+              <a:rPr lang="fr-CH" dirty="0"/>
+              <a:t>Christophe va prendre le relais pour la démo</a:t>
+            </a:r>
+          </a:p>
+        </p:txBody>
+      </p:sp>
+      <p:sp>
+        <p:nvSpPr>
+          <p:cNvPr id="4" name="Espace réservé du numéro de diapositive 3"/>
+          <p:cNvSpPr>
+            <a:spLocks noGrp="1"/>
+          </p:cNvSpPr>
+          <p:nvPr>
+            <p:ph type="sldNum" sz="quarter" idx="5"/>
+          </p:nvPr>
+        </p:nvSpPr>
+        <p:spPr/>
+        <p:txBody>
+          <a:bodyPr/>
+          <a:lstStyle/>
+          <a:p>
+            <a:fld id="{91D21BD5-1B28-46FB-88ED-F8B8A4C96E1F}" type="slidenum">
+              <a:rPr lang="fr-CH" smtClean="0"/>
+              <a:t>2</a:t>
+            </a:fld>
+            <a:endParaRPr lang="fr-CH"/>
+          </a:p>
+        </p:txBody>
+      </p:sp>
+    </p:spTree>
+    <p:extLst>
+      <p:ext uri="{BB962C8B-B14F-4D97-AF65-F5344CB8AC3E}">
+        <p14:creationId xmlns:p14="http://schemas.microsoft.com/office/powerpoint/2010/main" val="3852251974"/>
+      </p:ext>
+    </p:extLst>
+  </p:cSld>
+  <p:clrMapOvr>
+    <a:masterClrMapping/>
+  </p:clrMapOvr>
+</p:notes>
+</file>
+
+<file path=ppt/notesSlides/notesSlide3.xml><?xml version="1.0" encoding="utf-8"?>
+<p:notes xmlns:a="http://schemas.openxmlformats.org/drawingml/2006/main" xmlns:r="http://schemas.openxmlformats.org/officeDocument/2006/relationships" xmlns:p="http://schemas.openxmlformats.org/presentationml/2006/main">
+  <p:cSld>
+    <p:spTree>
+      <p:nvGrpSpPr>
+        <p:cNvPr id="1" name=""/>
+        <p:cNvGrpSpPr/>
+        <p:nvPr/>
+      </p:nvGrpSpPr>
+      <p:grpSpPr>
+        <a:xfrm>
+          <a:off x="0" y="0"/>
+          <a:ext cx="0" cy="0"/>
+          <a:chOff x="0" y="0"/>
+          <a:chExt cx="0" cy="0"/>
+        </a:xfrm>
+      </p:grpSpPr>
+      <p:sp>
+        <p:nvSpPr>
+          <p:cNvPr id="2" name="Espace réservé de l'image des diapositives 1"/>
+          <p:cNvSpPr>
+            <a:spLocks noGrp="1" noRot="1" noChangeAspect="1"/>
+          </p:cNvSpPr>
+          <p:nvPr>
+            <p:ph type="sldImg"/>
+          </p:nvPr>
+        </p:nvSpPr>
+        <p:spPr/>
+      </p:sp>
+      <p:sp>
+        <p:nvSpPr>
+          <p:cNvPr id="3" name="Espace réservé des notes 2"/>
+          <p:cNvSpPr>
+            <a:spLocks noGrp="1"/>
+          </p:cNvSpPr>
+          <p:nvPr>
+            <p:ph type="body" idx="1"/>
+          </p:nvPr>
+        </p:nvSpPr>
+        <p:spPr/>
+        <p:txBody>
+          <a:bodyPr/>
+          <a:lstStyle/>
+          <a:p>
+            <a:r>
+              <a:rPr lang="fr-CH" dirty="0"/>
+              <a:t>Améliorations :</a:t>
+            </a:r>
+          </a:p>
+          <a:p>
+            <a:pPr marL="171450" indent="-171450">
+              <a:buFontTx/>
+              <a:buChar char="-"/>
+            </a:pPr>
+            <a:r>
+              <a:rPr lang="fr-CH" dirty="0"/>
+              <a:t>Popup Ouverture</a:t>
+            </a:r>
+          </a:p>
+          <a:p>
+            <a:pPr marL="171450" indent="-171450">
+              <a:buFontTx/>
+              <a:buChar char="-"/>
+            </a:pPr>
+            <a:endParaRPr lang="fr-CH" dirty="0"/>
+          </a:p>
+          <a:p>
+            <a:pPr marL="171450" indent="-171450">
+              <a:buFontTx/>
+              <a:buChar char="-"/>
+            </a:pPr>
+            <a:r>
+              <a:rPr lang="fr-CH" dirty="0"/>
+              <a:t>Enregistrer Sous…</a:t>
+            </a:r>
+          </a:p>
+          <a:p>
+            <a:pPr marL="171450" indent="-171450">
+              <a:buFontTx/>
+              <a:buChar char="-"/>
+            </a:pPr>
+            <a:endParaRPr lang="fr-CH" dirty="0"/>
+          </a:p>
+          <a:p>
+            <a:pPr marL="171450" indent="-171450">
+              <a:buFontTx/>
+              <a:buChar char="-"/>
+            </a:pPr>
+            <a:r>
+              <a:rPr lang="fr-CH" dirty="0"/>
+              <a:t>Manuel Utilisateur</a:t>
+            </a:r>
+          </a:p>
+          <a:p>
+            <a:pPr marL="171450" indent="-171450">
+              <a:buFontTx/>
+              <a:buChar char="-"/>
+            </a:pPr>
+            <a:endParaRPr lang="fr-CH" dirty="0"/>
+          </a:p>
+          <a:p>
+            <a:pPr marL="171450" indent="-171450">
+              <a:buFontTx/>
+              <a:buChar char="-"/>
+            </a:pPr>
+            <a:r>
+              <a:rPr lang="fr-CH" dirty="0"/>
+              <a:t>Type de dépense</a:t>
+            </a:r>
+          </a:p>
+          <a:p>
+            <a:pPr marL="171450" indent="-171450">
+              <a:buFontTx/>
+              <a:buChar char="-"/>
+            </a:pPr>
+            <a:endParaRPr lang="fr-CH" dirty="0"/>
+          </a:p>
+          <a:p>
+            <a:pPr marL="171450" indent="-171450">
+              <a:buFontTx/>
+              <a:buChar char="-"/>
+            </a:pPr>
+            <a:r>
+              <a:rPr lang="fr-CH" dirty="0"/>
+              <a:t>Message erreurs</a:t>
+            </a:r>
+          </a:p>
+          <a:p>
+            <a:pPr marL="171450" indent="-171450">
+              <a:buFontTx/>
+              <a:buChar char="-"/>
+            </a:pPr>
+            <a:endParaRPr lang="fr-CH" dirty="0"/>
+          </a:p>
+          <a:p>
+            <a:pPr marL="171450" indent="-171450">
+              <a:buFontTx/>
+              <a:buChar char="-"/>
+            </a:pPr>
+            <a:r>
+              <a:rPr lang="fr-CH" dirty="0"/>
+              <a:t>Surbrillance</a:t>
+            </a:r>
+          </a:p>
+          <a:p>
+            <a:pPr marL="171450" indent="-171450">
+              <a:buFontTx/>
+              <a:buChar char="-"/>
+            </a:pPr>
+            <a:endParaRPr lang="fr-CH" dirty="0"/>
+          </a:p>
+          <a:p>
+            <a:pPr marL="171450" indent="-171450">
+              <a:buFontTx/>
+              <a:buChar char="-"/>
+            </a:pPr>
+            <a:r>
+              <a:rPr lang="fr-CH" dirty="0"/>
+              <a:t>Quitter Popup</a:t>
+            </a:r>
+          </a:p>
+          <a:p>
+            <a:pPr marL="171450" indent="-171450">
+              <a:buFontTx/>
+              <a:buChar char="-"/>
+            </a:pPr>
+            <a:endParaRPr lang="fr-CH" dirty="0"/>
+          </a:p>
+          <a:p>
+            <a:pPr marL="171450" indent="-171450">
+              <a:buFontTx/>
+              <a:buChar char="-"/>
+            </a:pPr>
+            <a:r>
+              <a:rPr lang="fr-CH" dirty="0"/>
+              <a:t>Zéro</a:t>
+            </a:r>
+          </a:p>
+          <a:p>
+            <a:pPr marL="171450" indent="-171450">
+              <a:buFontTx/>
+              <a:buChar char="-"/>
+            </a:pPr>
+            <a:endParaRPr lang="fr-CH" dirty="0"/>
+          </a:p>
+          <a:p>
+            <a:pPr marL="171450" indent="-171450">
+              <a:buFontTx/>
+              <a:buChar char="-"/>
+            </a:pPr>
+            <a:r>
+              <a:rPr lang="fr-CH" dirty="0"/>
+              <a:t>Editer ligne</a:t>
+            </a:r>
+          </a:p>
+          <a:p>
+            <a:pPr marL="171450" indent="-171450">
+              <a:buFontTx/>
+              <a:buChar char="-"/>
+            </a:pPr>
+            <a:endParaRPr lang="fr-CH" dirty="0"/>
+          </a:p>
+          <a:p>
+            <a:pPr marL="0" indent="0">
+              <a:buFontTx/>
+              <a:buNone/>
+            </a:pPr>
+            <a:r>
+              <a:rPr lang="fr-CH" dirty="0"/>
+              <a:t>Bugs</a:t>
+            </a:r>
+          </a:p>
+          <a:p>
+            <a:pPr marL="171450" indent="-171450">
+              <a:buFontTx/>
+              <a:buChar char="-"/>
+            </a:pPr>
+            <a:r>
+              <a:rPr lang="fr-CH" dirty="0"/>
+              <a:t>UTF</a:t>
+            </a:r>
+          </a:p>
+          <a:p>
+            <a:pPr marL="171450" indent="-171450">
+              <a:buFontTx/>
+              <a:buChar char="-"/>
+            </a:pPr>
+            <a:r>
+              <a:rPr lang="fr-CH" dirty="0"/>
+              <a:t>Supprimer double saisie</a:t>
+            </a:r>
+          </a:p>
+          <a:p>
+            <a:pPr marL="171450" indent="-171450">
+              <a:buFontTx/>
+              <a:buChar char="-"/>
+            </a:pPr>
+            <a:r>
+              <a:rPr lang="fr-CH" dirty="0"/>
+              <a:t>Pas de limite au nombre de lignes</a:t>
+            </a:r>
+          </a:p>
+          <a:p>
+            <a:pPr marL="171450" indent="-171450">
+              <a:buFontTx/>
+              <a:buChar char="-"/>
+            </a:pPr>
+            <a:r>
+              <a:rPr lang="fr-CH" dirty="0"/>
+              <a:t>Pas de limites champs saisies</a:t>
+            </a:r>
+          </a:p>
+          <a:p>
+            <a:pPr marL="171450" indent="-171450">
+              <a:buFontTx/>
+              <a:buChar char="-"/>
+            </a:pPr>
+            <a:endParaRPr lang="fr-CH" dirty="0"/>
+          </a:p>
+          <a:p>
+            <a:pPr marL="0" indent="0">
+              <a:buFontTx/>
+              <a:buNone/>
+            </a:pPr>
+            <a:endParaRPr lang="fr-CH" dirty="0"/>
+          </a:p>
+          <a:p>
+            <a:pPr marL="0" indent="0">
+              <a:buFontTx/>
+              <a:buNone/>
+            </a:pPr>
+            <a:r>
+              <a:rPr lang="fr-CH" dirty="0"/>
+              <a:t>Difficultés</a:t>
+            </a:r>
+          </a:p>
+          <a:p>
+            <a:pPr marL="171450" indent="-171450">
+              <a:buFontTx/>
+              <a:buChar char="-"/>
+            </a:pPr>
+            <a:r>
+              <a:rPr lang="fr-CH" dirty="0"/>
+              <a:t>Rendus tables</a:t>
+            </a:r>
+          </a:p>
+          <a:p>
+            <a:pPr marL="171450" indent="-171450">
+              <a:buFontTx/>
+              <a:buChar char="-"/>
+            </a:pPr>
+            <a:r>
+              <a:rPr lang="fr-CH" dirty="0"/>
+              <a:t>MVC</a:t>
+            </a:r>
+          </a:p>
+          <a:p>
+            <a:pPr marL="171450" indent="-171450">
+              <a:buFontTx/>
+              <a:buChar char="-"/>
+            </a:pPr>
+            <a:r>
+              <a:rPr lang="fr-CH" dirty="0"/>
+              <a:t>Filtres dynamique</a:t>
+            </a:r>
+          </a:p>
+          <a:p>
+            <a:pPr marL="171450" indent="-171450">
+              <a:buFontTx/>
+              <a:buChar char="-"/>
+            </a:pPr>
+            <a:r>
+              <a:rPr lang="fr-CH" dirty="0"/>
+              <a:t>Répartition des tâches</a:t>
+            </a:r>
+          </a:p>
+          <a:p>
+            <a:pPr marL="171450" indent="-171450">
+              <a:buFontTx/>
+              <a:buChar char="-"/>
+            </a:pPr>
+            <a:r>
+              <a:rPr lang="fr-CH" dirty="0" err="1"/>
+              <a:t>Github</a:t>
+            </a:r>
+            <a:endParaRPr lang="fr-CH" dirty="0"/>
+          </a:p>
+          <a:p>
+            <a:pPr marL="171450" indent="-171450">
+              <a:buFontTx/>
+              <a:buChar char="-"/>
+            </a:pPr>
+            <a:r>
+              <a:rPr lang="fr-CH" dirty="0"/>
+              <a:t>Eclipse</a:t>
+            </a:r>
+          </a:p>
+        </p:txBody>
+      </p:sp>
+      <p:sp>
+        <p:nvSpPr>
+          <p:cNvPr id="4" name="Espace réservé du numéro de diapositive 3"/>
+          <p:cNvSpPr>
+            <a:spLocks noGrp="1"/>
+          </p:cNvSpPr>
+          <p:nvPr>
+            <p:ph type="sldNum" sz="quarter" idx="5"/>
+          </p:nvPr>
+        </p:nvSpPr>
+        <p:spPr/>
+        <p:txBody>
+          <a:bodyPr/>
+          <a:lstStyle/>
+          <a:p>
+            <a:fld id="{91D21BD5-1B28-46FB-88ED-F8B8A4C96E1F}" type="slidenum">
+              <a:rPr lang="fr-CH" smtClean="0"/>
+              <a:t>4</a:t>
+            </a:fld>
+            <a:endParaRPr lang="fr-CH"/>
+          </a:p>
+        </p:txBody>
+      </p:sp>
+    </p:spTree>
+    <p:extLst>
+      <p:ext uri="{BB962C8B-B14F-4D97-AF65-F5344CB8AC3E}">
+        <p14:creationId xmlns:p14="http://schemas.microsoft.com/office/powerpoint/2010/main" val="4022846067"/>
+      </p:ext>
+    </p:extLst>
+  </p:cSld>
+  <p:clrMapOvr>
+    <a:masterClrMapping/>
+  </p:clrMapOvr>
+</p:notes>
 </file>
 
 <file path=ppt/slideLayouts/slideLayout1.xml><?xml version="1.0" encoding="utf-8"?>
@@ -300,7 +1404,7 @@
           <a:p>
             <a:fld id="{BF906D6E-0495-4922-AB28-CDD73E86B8AF}" type="datetimeFigureOut">
               <a:rPr lang="fr-CH" smtClean="0"/>
-              <a:t>14.06.2025</a:t>
+              <a:t>16.06.2025</a:t>
             </a:fld>
             <a:endParaRPr lang="fr-CH"/>
           </a:p>
@@ -736,7 +1840,7 @@
           <a:p>
             <a:fld id="{BF906D6E-0495-4922-AB28-CDD73E86B8AF}" type="datetimeFigureOut">
               <a:rPr lang="fr-CH" smtClean="0"/>
-              <a:t>14.06.2025</a:t>
+              <a:t>16.06.2025</a:t>
             </a:fld>
             <a:endParaRPr lang="fr-CH"/>
           </a:p>
@@ -986,7 +2090,7 @@
           <a:p>
             <a:fld id="{BF906D6E-0495-4922-AB28-CDD73E86B8AF}" type="datetimeFigureOut">
               <a:rPr lang="fr-CH" smtClean="0"/>
-              <a:t>14.06.2025</a:t>
+              <a:t>16.06.2025</a:t>
             </a:fld>
             <a:endParaRPr lang="fr-CH"/>
           </a:p>
@@ -1294,7 +2398,7 @@
           <a:p>
             <a:fld id="{BF906D6E-0495-4922-AB28-CDD73E86B8AF}" type="datetimeFigureOut">
               <a:rPr lang="fr-CH" smtClean="0"/>
-              <a:t>14.06.2025</a:t>
+              <a:t>16.06.2025</a:t>
             </a:fld>
             <a:endParaRPr lang="fr-CH"/>
           </a:p>
@@ -1612,7 +2716,7 @@
           <a:p>
             <a:fld id="{BF906D6E-0495-4922-AB28-CDD73E86B8AF}" type="datetimeFigureOut">
               <a:rPr lang="fr-CH" smtClean="0"/>
-              <a:t>14.06.2025</a:t>
+              <a:t>16.06.2025</a:t>
             </a:fld>
             <a:endParaRPr lang="fr-CH"/>
           </a:p>
@@ -1914,7 +3018,7 @@
           <a:p>
             <a:fld id="{BF906D6E-0495-4922-AB28-CDD73E86B8AF}" type="datetimeFigureOut">
               <a:rPr lang="fr-CH" smtClean="0"/>
-              <a:t>14.06.2025</a:t>
+              <a:t>16.06.2025</a:t>
             </a:fld>
             <a:endParaRPr lang="fr-CH"/>
           </a:p>
@@ -2281,7 +3385,7 @@
           <a:p>
             <a:fld id="{BF906D6E-0495-4922-AB28-CDD73E86B8AF}" type="datetimeFigureOut">
               <a:rPr lang="fr-CH" smtClean="0"/>
-              <a:t>14.06.2025</a:t>
+              <a:t>16.06.2025</a:t>
             </a:fld>
             <a:endParaRPr lang="fr-CH"/>
           </a:p>
@@ -2455,7 +3559,7 @@
           <a:p>
             <a:fld id="{BF906D6E-0495-4922-AB28-CDD73E86B8AF}" type="datetimeFigureOut">
               <a:rPr lang="fr-CH" smtClean="0"/>
-              <a:t>14.06.2025</a:t>
+              <a:t>16.06.2025</a:t>
             </a:fld>
             <a:endParaRPr lang="fr-CH"/>
           </a:p>
@@ -2635,7 +3739,7 @@
           <a:p>
             <a:fld id="{BF906D6E-0495-4922-AB28-CDD73E86B8AF}" type="datetimeFigureOut">
               <a:rPr lang="fr-CH" smtClean="0"/>
-              <a:t>14.06.2025</a:t>
+              <a:t>16.06.2025</a:t>
             </a:fld>
             <a:endParaRPr lang="fr-CH"/>
           </a:p>
@@ -2805,7 +3909,7 @@
           <a:p>
             <a:fld id="{BF906D6E-0495-4922-AB28-CDD73E86B8AF}" type="datetimeFigureOut">
               <a:rPr lang="fr-CH" smtClean="0"/>
-              <a:t>14.06.2025</a:t>
+              <a:t>16.06.2025</a:t>
             </a:fld>
             <a:endParaRPr lang="fr-CH"/>
           </a:p>
@@ -3055,7 +4159,7 @@
           <a:p>
             <a:fld id="{BF906D6E-0495-4922-AB28-CDD73E86B8AF}" type="datetimeFigureOut">
               <a:rPr lang="fr-CH" smtClean="0"/>
-              <a:t>14.06.2025</a:t>
+              <a:t>16.06.2025</a:t>
             </a:fld>
             <a:endParaRPr lang="fr-CH"/>
           </a:p>
@@ -3291,7 +4395,7 @@
           <a:p>
             <a:fld id="{BF906D6E-0495-4922-AB28-CDD73E86B8AF}" type="datetimeFigureOut">
               <a:rPr lang="fr-CH" smtClean="0"/>
-              <a:t>14.06.2025</a:t>
+              <a:t>16.06.2025</a:t>
             </a:fld>
             <a:endParaRPr lang="fr-CH"/>
           </a:p>
@@ -3673,7 +4777,7 @@
           <a:p>
             <a:fld id="{BF906D6E-0495-4922-AB28-CDD73E86B8AF}" type="datetimeFigureOut">
               <a:rPr lang="fr-CH" smtClean="0"/>
-              <a:t>14.06.2025</a:t>
+              <a:t>16.06.2025</a:t>
             </a:fld>
             <a:endParaRPr lang="fr-CH"/>
           </a:p>
@@ -3791,7 +4895,7 @@
           <a:p>
             <a:fld id="{BF906D6E-0495-4922-AB28-CDD73E86B8AF}" type="datetimeFigureOut">
               <a:rPr lang="fr-CH" smtClean="0"/>
-              <a:t>14.06.2025</a:t>
+              <a:t>16.06.2025</a:t>
             </a:fld>
             <a:endParaRPr lang="fr-CH"/>
           </a:p>
@@ -3886,7 +4990,7 @@
           <a:p>
             <a:fld id="{BF906D6E-0495-4922-AB28-CDD73E86B8AF}" type="datetimeFigureOut">
               <a:rPr lang="fr-CH" smtClean="0"/>
-              <a:t>14.06.2025</a:t>
+              <a:t>16.06.2025</a:t>
             </a:fld>
             <a:endParaRPr lang="fr-CH"/>
           </a:p>
@@ -4141,7 +5245,7 @@
           <a:p>
             <a:fld id="{BF906D6E-0495-4922-AB28-CDD73E86B8AF}" type="datetimeFigureOut">
               <a:rPr lang="fr-CH" smtClean="0"/>
-              <a:t>14.06.2025</a:t>
+              <a:t>16.06.2025</a:t>
             </a:fld>
             <a:endParaRPr lang="fr-CH"/>
           </a:p>
@@ -4424,7 +5528,7 @@
           <a:p>
             <a:fld id="{BF906D6E-0495-4922-AB28-CDD73E86B8AF}" type="datetimeFigureOut">
               <a:rPr lang="fr-CH" smtClean="0"/>
-              <a:t>14.06.2025</a:t>
+              <a:t>16.06.2025</a:t>
             </a:fld>
             <a:endParaRPr lang="fr-CH"/>
           </a:p>
@@ -4830,7 +5934,7 @@
           <a:p>
             <a:fld id="{BF906D6E-0495-4922-AB28-CDD73E86B8AF}" type="datetimeFigureOut">
               <a:rPr lang="fr-CH" smtClean="0"/>
-              <a:t>14.06.2025</a:t>
+              <a:t>16.06.2025</a:t>
             </a:fld>
             <a:endParaRPr lang="fr-CH"/>
           </a:p>
@@ -5430,7 +6534,7 @@
           <p:nvPr/>
         </p:nvPicPr>
         <p:blipFill>
-          <a:blip r:embed="rId2"/>
+          <a:blip r:embed="rId3"/>
           <a:stretch>
             <a:fillRect/>
           </a:stretch>
@@ -5732,7 +6836,7 @@
           <p:nvPr/>
         </p:nvPicPr>
         <p:blipFill>
-          <a:blip r:embed="rId2"/>
+          <a:blip r:embed="rId3"/>
           <a:stretch>
             <a:fillRect/>
           </a:stretch>
@@ -5816,7 +6920,7 @@
           <p:nvPr/>
         </p:nvPicPr>
         <p:blipFill>
-          <a:blip r:embed="rId3"/>
+          <a:blip r:embed="rId4"/>
           <a:stretch>
             <a:fillRect/>
           </a:stretch>
@@ -5846,7 +6950,7 @@
           <p:nvPr/>
         </p:nvPicPr>
         <p:blipFill>
-          <a:blip r:embed="rId4"/>
+          <a:blip r:embed="rId5"/>
           <a:stretch>
             <a:fillRect/>
           </a:stretch>
@@ -5876,7 +6980,7 @@
           <p:nvPr/>
         </p:nvPicPr>
         <p:blipFill>
-          <a:blip r:embed="rId5"/>
+          <a:blip r:embed="rId6"/>
           <a:stretch>
             <a:fillRect/>
           </a:stretch>
@@ -5906,7 +7010,7 @@
           <p:nvPr/>
         </p:nvPicPr>
         <p:blipFill>
-          <a:blip r:embed="rId6"/>
+          <a:blip r:embed="rId7"/>
           <a:stretch>
             <a:fillRect/>
           </a:stretch>
@@ -5936,7 +7040,7 @@
           <p:nvPr/>
         </p:nvPicPr>
         <p:blipFill>
-          <a:blip r:embed="rId7"/>
+          <a:blip r:embed="rId8"/>
           <a:stretch>
             <a:fillRect/>
           </a:stretch>
@@ -5966,7 +7070,7 @@
           <p:nvPr/>
         </p:nvPicPr>
         <p:blipFill>
-          <a:blip r:embed="rId8"/>
+          <a:blip r:embed="rId9"/>
           <a:stretch>
             <a:fillRect/>
           </a:stretch>
@@ -6876,7 +7980,7 @@
             <a:pPr algn="ctr"/>
             <a:r>
               <a:rPr lang="fr-CH" sz="1200" dirty="0"/>
-              <a:t>intermédiaire</a:t>
+              <a:t>Intermédiaire</a:t>
             </a:r>
           </a:p>
         </p:txBody>
@@ -7586,13 +8690,16 @@
             <a:pPr algn="r"/>
             <a:r>
               <a:rPr lang="fr-CH" sz="1200" dirty="0"/>
-              <a:t>Gère les </a:t>
+              <a:t>Gère les ‘’</a:t>
             </a:r>
             <a:r>
               <a:rPr lang="fr-CH" sz="1200" dirty="0" err="1"/>
-              <a:t>accounts</a:t>
-            </a:r>
-            <a:endParaRPr lang="fr-CH" sz="1200" dirty="0"/>
+              <a:t>Accounts</a:t>
+            </a:r>
+            <a:r>
+              <a:rPr lang="fr-CH" sz="1200" dirty="0"/>
+              <a:t>’’</a:t>
+            </a:r>
           </a:p>
         </p:txBody>
       </p:sp>
@@ -7778,6 +8885,2959 @@
   <p:clrMapOvr>
     <a:masterClrMapping/>
   </p:clrMapOvr>
+</p:sld>
+</file>
+
+<file path=ppt/slides/slide4.xml><?xml version="1.0" encoding="utf-8"?>
+<p:sld xmlns:a="http://schemas.openxmlformats.org/drawingml/2006/main" xmlns:r="http://schemas.openxmlformats.org/officeDocument/2006/relationships" xmlns:p="http://schemas.openxmlformats.org/presentationml/2006/main">
+  <p:cSld>
+    <p:spTree>
+      <p:nvGrpSpPr>
+        <p:cNvPr id="1" name="">
+          <a:extLst>
+            <a:ext uri="{FF2B5EF4-FFF2-40B4-BE49-F238E27FC236}">
+              <a16:creationId xmlns:a16="http://schemas.microsoft.com/office/drawing/2014/main" id="{B1F23E6D-CD78-1651-2B48-E39326D2036B}"/>
+            </a:ext>
+          </a:extLst>
+        </p:cNvPr>
+        <p:cNvGrpSpPr/>
+        <p:nvPr/>
+      </p:nvGrpSpPr>
+      <p:grpSpPr>
+        <a:xfrm>
+          <a:off x="0" y="0"/>
+          <a:ext cx="0" cy="0"/>
+          <a:chOff x="0" y="0"/>
+          <a:chExt cx="0" cy="0"/>
+        </a:xfrm>
+      </p:grpSpPr>
+      <p:sp>
+        <p:nvSpPr>
+          <p:cNvPr id="2" name="Titre 1">
+            <a:extLst>
+              <a:ext uri="{FF2B5EF4-FFF2-40B4-BE49-F238E27FC236}">
+                <a16:creationId xmlns:a16="http://schemas.microsoft.com/office/drawing/2014/main" id="{1B47D0F2-4E21-78D4-846A-7E83204308C1}"/>
+              </a:ext>
+            </a:extLst>
+          </p:cNvPr>
+          <p:cNvSpPr>
+            <a:spLocks noGrp="1"/>
+          </p:cNvSpPr>
+          <p:nvPr>
+            <p:ph type="title"/>
+          </p:nvPr>
+        </p:nvSpPr>
+        <p:spPr>
+          <a:xfrm>
+            <a:off x="734546" y="4487332"/>
+            <a:ext cx="8534400" cy="1507067"/>
+          </a:xfrm>
+        </p:spPr>
+        <p:txBody>
+          <a:bodyPr/>
+          <a:lstStyle/>
+          <a:p>
+            <a:endParaRPr lang="fr-CH"/>
+          </a:p>
+        </p:txBody>
+      </p:sp>
+      <p:sp>
+        <p:nvSpPr>
+          <p:cNvPr id="3" name="Espace réservé du contenu 2">
+            <a:extLst>
+              <a:ext uri="{FF2B5EF4-FFF2-40B4-BE49-F238E27FC236}">
+                <a16:creationId xmlns:a16="http://schemas.microsoft.com/office/drawing/2014/main" id="{182FF155-B88D-786C-4B86-55BEA7626982}"/>
+              </a:ext>
+            </a:extLst>
+          </p:cNvPr>
+          <p:cNvSpPr>
+            <a:spLocks noGrp="1"/>
+          </p:cNvSpPr>
+          <p:nvPr>
+            <p:ph idx="1"/>
+          </p:nvPr>
+        </p:nvSpPr>
+        <p:spPr>
+          <a:xfrm>
+            <a:off x="734546" y="685800"/>
+            <a:ext cx="8534400" cy="3615267"/>
+          </a:xfrm>
+        </p:spPr>
+        <p:txBody>
+          <a:bodyPr/>
+          <a:lstStyle/>
+          <a:p>
+            <a:endParaRPr lang="fr-CH"/>
+          </a:p>
+        </p:txBody>
+      </p:sp>
+      <p:pic>
+        <p:nvPicPr>
+          <p:cNvPr id="4" name="Image 3">
+            <a:extLst>
+              <a:ext uri="{FF2B5EF4-FFF2-40B4-BE49-F238E27FC236}">
+                <a16:creationId xmlns:a16="http://schemas.microsoft.com/office/drawing/2014/main" id="{C8B64B6F-6FF5-553E-5506-8BBD6E1F46D0}"/>
+              </a:ext>
+            </a:extLst>
+          </p:cNvPr>
+          <p:cNvPicPr>
+            <a:picLocks noChangeAspect="1"/>
+          </p:cNvPicPr>
+          <p:nvPr/>
+        </p:nvPicPr>
+        <p:blipFill>
+          <a:blip r:embed="rId3"/>
+          <a:stretch>
+            <a:fillRect/>
+          </a:stretch>
+        </p:blipFill>
+        <p:spPr>
+          <a:xfrm>
+            <a:off x="0" y="-2409"/>
+            <a:ext cx="12610160" cy="7050909"/>
+          </a:xfrm>
+          <a:prstGeom prst="rect">
+            <a:avLst/>
+          </a:prstGeom>
+        </p:spPr>
+      </p:pic>
+      <p:sp>
+        <p:nvSpPr>
+          <p:cNvPr id="7" name="Rectangle : coins arrondis 6">
+            <a:extLst>
+              <a:ext uri="{FF2B5EF4-FFF2-40B4-BE49-F238E27FC236}">
+                <a16:creationId xmlns:a16="http://schemas.microsoft.com/office/drawing/2014/main" id="{69A82BE3-33F5-B5B8-2442-14A0F60B7165}"/>
+              </a:ext>
+            </a:extLst>
+          </p:cNvPr>
+          <p:cNvSpPr/>
+          <p:nvPr/>
+        </p:nvSpPr>
+        <p:spPr>
+          <a:xfrm>
+            <a:off x="4196131" y="523182"/>
+            <a:ext cx="3600000" cy="720000"/>
+          </a:xfrm>
+          <a:prstGeom prst="roundRect">
+            <a:avLst/>
+          </a:prstGeom>
+          <a:ln>
+            <a:solidFill>
+              <a:schemeClr val="tx1">
+                <a:lumMod val="85000"/>
+              </a:schemeClr>
+            </a:solidFill>
+          </a:ln>
+        </p:spPr>
+        <p:style>
+          <a:lnRef idx="2">
+            <a:schemeClr val="dk1">
+              <a:shade val="15000"/>
+            </a:schemeClr>
+          </a:lnRef>
+          <a:fillRef idx="1">
+            <a:schemeClr val="dk1"/>
+          </a:fillRef>
+          <a:effectRef idx="0">
+            <a:schemeClr val="dk1"/>
+          </a:effectRef>
+          <a:fontRef idx="minor">
+            <a:schemeClr val="lt1"/>
+          </a:fontRef>
+        </p:style>
+        <p:txBody>
+          <a:bodyPr rtlCol="0" anchor="ctr"/>
+          <a:lstStyle/>
+          <a:p>
+            <a:pPr algn="ctr"/>
+            <a:r>
+              <a:rPr lang="fr-CH" sz="2200" b="1" dirty="0"/>
+              <a:t>Bugs connus</a:t>
+            </a:r>
+          </a:p>
+        </p:txBody>
+      </p:sp>
+      <p:sp>
+        <p:nvSpPr>
+          <p:cNvPr id="8" name="Rectangle : coins arrondis 7">
+            <a:extLst>
+              <a:ext uri="{FF2B5EF4-FFF2-40B4-BE49-F238E27FC236}">
+                <a16:creationId xmlns:a16="http://schemas.microsoft.com/office/drawing/2014/main" id="{10C0B615-4452-A8F0-0B22-D7AABBDC5E03}"/>
+              </a:ext>
+            </a:extLst>
+          </p:cNvPr>
+          <p:cNvSpPr/>
+          <p:nvPr/>
+        </p:nvSpPr>
+        <p:spPr>
+          <a:xfrm>
+            <a:off x="8023041" y="523182"/>
+            <a:ext cx="3600000" cy="720000"/>
+          </a:xfrm>
+          <a:prstGeom prst="roundRect">
+            <a:avLst/>
+          </a:prstGeom>
+          <a:ln>
+            <a:solidFill>
+              <a:schemeClr val="tx1">
+                <a:lumMod val="85000"/>
+              </a:schemeClr>
+            </a:solidFill>
+          </a:ln>
+        </p:spPr>
+        <p:style>
+          <a:lnRef idx="2">
+            <a:schemeClr val="dk1">
+              <a:shade val="15000"/>
+            </a:schemeClr>
+          </a:lnRef>
+          <a:fillRef idx="1">
+            <a:schemeClr val="dk1"/>
+          </a:fillRef>
+          <a:effectRef idx="0">
+            <a:schemeClr val="dk1"/>
+          </a:effectRef>
+          <a:fontRef idx="minor">
+            <a:schemeClr val="lt1"/>
+          </a:fontRef>
+        </p:style>
+        <p:txBody>
+          <a:bodyPr rtlCol="0" anchor="ctr"/>
+          <a:lstStyle/>
+          <a:p>
+            <a:pPr algn="ctr"/>
+            <a:r>
+              <a:rPr lang="fr-CH" sz="2200" b="1" dirty="0"/>
+              <a:t>Difficultés rencontrées </a:t>
+            </a:r>
+          </a:p>
+        </p:txBody>
+      </p:sp>
+      <p:sp>
+        <p:nvSpPr>
+          <p:cNvPr id="14" name="Rectangle : coins arrondis 13">
+            <a:extLst>
+              <a:ext uri="{FF2B5EF4-FFF2-40B4-BE49-F238E27FC236}">
+                <a16:creationId xmlns:a16="http://schemas.microsoft.com/office/drawing/2014/main" id="{ACC43D73-D5B4-16C4-45B2-3CD54FF88529}"/>
+              </a:ext>
+            </a:extLst>
+          </p:cNvPr>
+          <p:cNvSpPr/>
+          <p:nvPr/>
+        </p:nvSpPr>
+        <p:spPr>
+          <a:xfrm>
+            <a:off x="4195328" y="1351555"/>
+            <a:ext cx="3600000" cy="669561"/>
+          </a:xfrm>
+          <a:prstGeom prst="roundRect">
+            <a:avLst/>
+          </a:prstGeom>
+          <a:ln>
+            <a:solidFill>
+              <a:schemeClr val="tx1">
+                <a:lumMod val="85000"/>
+              </a:schemeClr>
+            </a:solidFill>
+          </a:ln>
+        </p:spPr>
+        <p:style>
+          <a:lnRef idx="2">
+            <a:schemeClr val="dk1">
+              <a:shade val="15000"/>
+            </a:schemeClr>
+          </a:lnRef>
+          <a:fillRef idx="1">
+            <a:schemeClr val="dk1"/>
+          </a:fillRef>
+          <a:effectRef idx="0">
+            <a:schemeClr val="dk1"/>
+          </a:effectRef>
+          <a:fontRef idx="minor">
+            <a:schemeClr val="lt1"/>
+          </a:fontRef>
+        </p:style>
+        <p:txBody>
+          <a:bodyPr rtlCol="0" anchor="ctr"/>
+          <a:lstStyle/>
+          <a:p>
+            <a:pPr algn="ctr"/>
+            <a:r>
+              <a:rPr lang="fr-FR" sz="1200" dirty="0"/>
+              <a:t>L'enregistrement des projets en .csv ne se fait pas en UTF-8, ce qui génère des problèmes avec les caractères avec accents.</a:t>
+            </a:r>
+            <a:endParaRPr lang="fr-CH" sz="1200" dirty="0"/>
+          </a:p>
+        </p:txBody>
+      </p:sp>
+      <p:sp>
+        <p:nvSpPr>
+          <p:cNvPr id="30" name="Rectangle : coins arrondis 29">
+            <a:extLst>
+              <a:ext uri="{FF2B5EF4-FFF2-40B4-BE49-F238E27FC236}">
+                <a16:creationId xmlns:a16="http://schemas.microsoft.com/office/drawing/2014/main" id="{A18BFE2F-891B-54BB-04BF-E853BCC40F3B}"/>
+              </a:ext>
+            </a:extLst>
+          </p:cNvPr>
+          <p:cNvSpPr/>
+          <p:nvPr/>
+        </p:nvSpPr>
+        <p:spPr>
+          <a:xfrm>
+            <a:off x="4195328" y="2129489"/>
+            <a:ext cx="3600000" cy="1701777"/>
+          </a:xfrm>
+          <a:prstGeom prst="roundRect">
+            <a:avLst/>
+          </a:prstGeom>
+          <a:ln>
+            <a:solidFill>
+              <a:schemeClr val="tx1">
+                <a:lumMod val="85000"/>
+              </a:schemeClr>
+            </a:solidFill>
+          </a:ln>
+        </p:spPr>
+        <p:style>
+          <a:lnRef idx="2">
+            <a:schemeClr val="dk1">
+              <a:shade val="15000"/>
+            </a:schemeClr>
+          </a:lnRef>
+          <a:fillRef idx="1">
+            <a:schemeClr val="dk1"/>
+          </a:fillRef>
+          <a:effectRef idx="0">
+            <a:schemeClr val="dk1"/>
+          </a:effectRef>
+          <a:fontRef idx="minor">
+            <a:schemeClr val="lt1"/>
+          </a:fontRef>
+        </p:style>
+        <p:txBody>
+          <a:bodyPr rtlCol="0" anchor="ctr"/>
+          <a:lstStyle/>
+          <a:p>
+            <a:pPr algn="ctr"/>
+            <a:r>
+              <a:rPr lang="fr-FR" sz="1200" dirty="0"/>
+              <a:t>Lorsqu'on a deux saisies qui ont le même libellé, la même date ainsi que la même valeur, soit dans Crédit soit dans Débit et que l'on souhaite supprimer cette entrée, nous ne savons pas comment se comporte l'application, à savoir si les deux entrées sont supprimées ou se seule l'une des deux l'est et laquelle.</a:t>
+            </a:r>
+            <a:endParaRPr lang="fr-CH" sz="1200" dirty="0"/>
+          </a:p>
+        </p:txBody>
+      </p:sp>
+      <p:sp>
+        <p:nvSpPr>
+          <p:cNvPr id="31" name="Rectangle : coins arrondis 30">
+            <a:extLst>
+              <a:ext uri="{FF2B5EF4-FFF2-40B4-BE49-F238E27FC236}">
+                <a16:creationId xmlns:a16="http://schemas.microsoft.com/office/drawing/2014/main" id="{A800D49E-ED62-7DF6-B7FA-7A1B90E891CC}"/>
+              </a:ext>
+            </a:extLst>
+          </p:cNvPr>
+          <p:cNvSpPr/>
+          <p:nvPr/>
+        </p:nvSpPr>
+        <p:spPr>
+          <a:xfrm>
+            <a:off x="4195328" y="3941028"/>
+            <a:ext cx="3600000" cy="484298"/>
+          </a:xfrm>
+          <a:prstGeom prst="roundRect">
+            <a:avLst/>
+          </a:prstGeom>
+          <a:ln>
+            <a:solidFill>
+              <a:schemeClr val="tx1">
+                <a:lumMod val="85000"/>
+              </a:schemeClr>
+            </a:solidFill>
+          </a:ln>
+        </p:spPr>
+        <p:style>
+          <a:lnRef idx="2">
+            <a:schemeClr val="dk1">
+              <a:shade val="15000"/>
+            </a:schemeClr>
+          </a:lnRef>
+          <a:fillRef idx="1">
+            <a:schemeClr val="dk1"/>
+          </a:fillRef>
+          <a:effectRef idx="0">
+            <a:schemeClr val="dk1"/>
+          </a:effectRef>
+          <a:fontRef idx="minor">
+            <a:schemeClr val="lt1"/>
+          </a:fontRef>
+        </p:style>
+        <p:txBody>
+          <a:bodyPr rtlCol="0" anchor="ctr"/>
+          <a:lstStyle/>
+          <a:p>
+            <a:pPr algn="ctr"/>
+            <a:r>
+              <a:rPr lang="fr-FR" sz="1200" dirty="0"/>
+              <a:t>Pas mis de limite de taille à la liste </a:t>
+            </a:r>
+            <a:br>
+              <a:rPr lang="fr-FR" sz="1200" dirty="0"/>
+            </a:br>
+            <a:r>
+              <a:rPr lang="fr-FR" sz="1200" dirty="0"/>
+              <a:t>des transactions</a:t>
+            </a:r>
+            <a:endParaRPr lang="fr-CH" sz="1200" dirty="0"/>
+          </a:p>
+        </p:txBody>
+      </p:sp>
+      <p:sp>
+        <p:nvSpPr>
+          <p:cNvPr id="32" name="Rectangle : coins arrondis 31">
+            <a:extLst>
+              <a:ext uri="{FF2B5EF4-FFF2-40B4-BE49-F238E27FC236}">
+                <a16:creationId xmlns:a16="http://schemas.microsoft.com/office/drawing/2014/main" id="{DE7136C1-F9DE-146F-9B9E-96D4FE886750}"/>
+              </a:ext>
+            </a:extLst>
+          </p:cNvPr>
+          <p:cNvSpPr/>
+          <p:nvPr/>
+        </p:nvSpPr>
+        <p:spPr>
+          <a:xfrm>
+            <a:off x="4195328" y="4535088"/>
+            <a:ext cx="3600000" cy="485210"/>
+          </a:xfrm>
+          <a:prstGeom prst="roundRect">
+            <a:avLst/>
+          </a:prstGeom>
+          <a:ln>
+            <a:solidFill>
+              <a:schemeClr val="tx1">
+                <a:lumMod val="85000"/>
+              </a:schemeClr>
+            </a:solidFill>
+          </a:ln>
+        </p:spPr>
+        <p:style>
+          <a:lnRef idx="2">
+            <a:schemeClr val="dk1">
+              <a:shade val="15000"/>
+            </a:schemeClr>
+          </a:lnRef>
+          <a:fillRef idx="1">
+            <a:schemeClr val="dk1"/>
+          </a:fillRef>
+          <a:effectRef idx="0">
+            <a:schemeClr val="dk1"/>
+          </a:effectRef>
+          <a:fontRef idx="minor">
+            <a:schemeClr val="lt1"/>
+          </a:fontRef>
+        </p:style>
+        <p:txBody>
+          <a:bodyPr rtlCol="0" anchor="ctr"/>
+          <a:lstStyle/>
+          <a:p>
+            <a:pPr algn="ctr"/>
+            <a:r>
+              <a:rPr lang="fr-FR" sz="1200" dirty="0"/>
+              <a:t>Pas mis de limite à la longueur des champs "Libellé" et "Montant"</a:t>
+            </a:r>
+            <a:endParaRPr lang="fr-CH" sz="1200" dirty="0"/>
+          </a:p>
+        </p:txBody>
+      </p:sp>
+      <p:sp>
+        <p:nvSpPr>
+          <p:cNvPr id="6" name="Rectangle : coins arrondis 5">
+            <a:extLst>
+              <a:ext uri="{FF2B5EF4-FFF2-40B4-BE49-F238E27FC236}">
+                <a16:creationId xmlns:a16="http://schemas.microsoft.com/office/drawing/2014/main" id="{A8E3A6D8-E274-4A8B-AD55-6CEDC755B9F0}"/>
+              </a:ext>
+            </a:extLst>
+          </p:cNvPr>
+          <p:cNvSpPr/>
+          <p:nvPr/>
+        </p:nvSpPr>
+        <p:spPr>
+          <a:xfrm>
+            <a:off x="369221" y="529722"/>
+            <a:ext cx="3600000" cy="720000"/>
+          </a:xfrm>
+          <a:prstGeom prst="roundRect">
+            <a:avLst/>
+          </a:prstGeom>
+          <a:ln>
+            <a:solidFill>
+              <a:schemeClr val="tx1">
+                <a:lumMod val="85000"/>
+              </a:schemeClr>
+            </a:solidFill>
+          </a:ln>
+        </p:spPr>
+        <p:style>
+          <a:lnRef idx="2">
+            <a:schemeClr val="dk1">
+              <a:shade val="15000"/>
+            </a:schemeClr>
+          </a:lnRef>
+          <a:fillRef idx="1">
+            <a:schemeClr val="dk1"/>
+          </a:fillRef>
+          <a:effectRef idx="0">
+            <a:schemeClr val="dk1"/>
+          </a:effectRef>
+          <a:fontRef idx="minor">
+            <a:schemeClr val="lt1"/>
+          </a:fontRef>
+        </p:style>
+        <p:txBody>
+          <a:bodyPr rtlCol="0" anchor="ctr"/>
+          <a:lstStyle/>
+          <a:p>
+            <a:pPr algn="ctr"/>
+            <a:r>
+              <a:rPr lang="fr-CH" sz="2200" b="1" dirty="0"/>
+              <a:t>Améliorations possibles </a:t>
+            </a:r>
+          </a:p>
+        </p:txBody>
+      </p:sp>
+      <p:sp>
+        <p:nvSpPr>
+          <p:cNvPr id="38" name="Rectangle : coins arrondis 37">
+            <a:extLst>
+              <a:ext uri="{FF2B5EF4-FFF2-40B4-BE49-F238E27FC236}">
+                <a16:creationId xmlns:a16="http://schemas.microsoft.com/office/drawing/2014/main" id="{17CF76BD-EA58-671D-0271-2A226A77381E}"/>
+              </a:ext>
+            </a:extLst>
+          </p:cNvPr>
+          <p:cNvSpPr/>
+          <p:nvPr/>
+        </p:nvSpPr>
+        <p:spPr>
+          <a:xfrm>
+            <a:off x="368129" y="1357784"/>
+            <a:ext cx="3600000" cy="450000"/>
+          </a:xfrm>
+          <a:prstGeom prst="roundRect">
+            <a:avLst/>
+          </a:prstGeom>
+          <a:ln>
+            <a:solidFill>
+              <a:schemeClr val="tx1">
+                <a:lumMod val="85000"/>
+              </a:schemeClr>
+            </a:solidFill>
+          </a:ln>
+        </p:spPr>
+        <p:style>
+          <a:lnRef idx="2">
+            <a:schemeClr val="dk1">
+              <a:shade val="15000"/>
+            </a:schemeClr>
+          </a:lnRef>
+          <a:fillRef idx="1">
+            <a:schemeClr val="dk1"/>
+          </a:fillRef>
+          <a:effectRef idx="0">
+            <a:schemeClr val="dk1"/>
+          </a:effectRef>
+          <a:fontRef idx="minor">
+            <a:schemeClr val="lt1"/>
+          </a:fontRef>
+        </p:style>
+        <p:txBody>
+          <a:bodyPr rtlCol="0" anchor="ctr"/>
+          <a:lstStyle/>
+          <a:p>
+            <a:pPr algn="ctr"/>
+            <a:r>
+              <a:rPr lang="fr-CH" sz="1200" dirty="0"/>
+              <a:t>Popup d’ouverture pour ouvrir/créer </a:t>
+            </a:r>
+            <a:br>
+              <a:rPr lang="fr-CH" sz="1200" dirty="0"/>
+            </a:br>
+            <a:r>
+              <a:rPr lang="fr-CH" sz="1200" dirty="0"/>
+              <a:t>un projet</a:t>
+            </a:r>
+          </a:p>
+        </p:txBody>
+      </p:sp>
+      <p:sp>
+        <p:nvSpPr>
+          <p:cNvPr id="39" name="Rectangle : coins arrondis 38">
+            <a:extLst>
+              <a:ext uri="{FF2B5EF4-FFF2-40B4-BE49-F238E27FC236}">
+                <a16:creationId xmlns:a16="http://schemas.microsoft.com/office/drawing/2014/main" id="{A7161211-2D86-6E29-FA9D-ADA5185CA6F3}"/>
+              </a:ext>
+            </a:extLst>
+          </p:cNvPr>
+          <p:cNvSpPr/>
+          <p:nvPr/>
+        </p:nvSpPr>
+        <p:spPr>
+          <a:xfrm>
+            <a:off x="366530" y="1920822"/>
+            <a:ext cx="3600000" cy="450000"/>
+          </a:xfrm>
+          <a:prstGeom prst="roundRect">
+            <a:avLst/>
+          </a:prstGeom>
+          <a:ln>
+            <a:solidFill>
+              <a:schemeClr val="tx1">
+                <a:lumMod val="85000"/>
+              </a:schemeClr>
+            </a:solidFill>
+          </a:ln>
+        </p:spPr>
+        <p:style>
+          <a:lnRef idx="2">
+            <a:schemeClr val="dk1">
+              <a:shade val="15000"/>
+            </a:schemeClr>
+          </a:lnRef>
+          <a:fillRef idx="1">
+            <a:schemeClr val="dk1"/>
+          </a:fillRef>
+          <a:effectRef idx="0">
+            <a:schemeClr val="dk1"/>
+          </a:effectRef>
+          <a:fontRef idx="minor">
+            <a:schemeClr val="lt1"/>
+          </a:fontRef>
+        </p:style>
+        <p:txBody>
+          <a:bodyPr rtlCol="0" anchor="ctr"/>
+          <a:lstStyle/>
+          <a:p>
+            <a:pPr algn="ctr"/>
+            <a:r>
+              <a:rPr lang="fr-FR" sz="1200" dirty="0"/>
+              <a:t>Ajouter "Enregistrer sous… " dans le </a:t>
+            </a:r>
+            <a:br>
+              <a:rPr lang="fr-FR" sz="1200" dirty="0"/>
+            </a:br>
+            <a:r>
+              <a:rPr lang="fr-FR" sz="1200" dirty="0"/>
+              <a:t>Menu Fichier</a:t>
+            </a:r>
+            <a:endParaRPr lang="fr-CH" sz="1200" dirty="0"/>
+          </a:p>
+        </p:txBody>
+      </p:sp>
+      <p:sp>
+        <p:nvSpPr>
+          <p:cNvPr id="40" name="Rectangle : coins arrondis 39">
+            <a:extLst>
+              <a:ext uri="{FF2B5EF4-FFF2-40B4-BE49-F238E27FC236}">
+                <a16:creationId xmlns:a16="http://schemas.microsoft.com/office/drawing/2014/main" id="{F4CCA9E2-6233-B226-673A-A43B68F51A0D}"/>
+              </a:ext>
+            </a:extLst>
+          </p:cNvPr>
+          <p:cNvSpPr/>
+          <p:nvPr/>
+        </p:nvSpPr>
+        <p:spPr>
+          <a:xfrm>
+            <a:off x="366530" y="2478107"/>
+            <a:ext cx="3600000" cy="450000"/>
+          </a:xfrm>
+          <a:prstGeom prst="roundRect">
+            <a:avLst/>
+          </a:prstGeom>
+          <a:ln>
+            <a:solidFill>
+              <a:schemeClr val="tx1">
+                <a:lumMod val="85000"/>
+              </a:schemeClr>
+            </a:solidFill>
+          </a:ln>
+        </p:spPr>
+        <p:style>
+          <a:lnRef idx="2">
+            <a:schemeClr val="dk1">
+              <a:shade val="15000"/>
+            </a:schemeClr>
+          </a:lnRef>
+          <a:fillRef idx="1">
+            <a:schemeClr val="dk1"/>
+          </a:fillRef>
+          <a:effectRef idx="0">
+            <a:schemeClr val="dk1"/>
+          </a:effectRef>
+          <a:fontRef idx="minor">
+            <a:schemeClr val="lt1"/>
+          </a:fontRef>
+        </p:style>
+        <p:txBody>
+          <a:bodyPr rtlCol="0" anchor="ctr"/>
+          <a:lstStyle/>
+          <a:p>
+            <a:pPr algn="ctr"/>
+            <a:r>
+              <a:rPr lang="fr-FR" sz="1200" dirty="0"/>
+              <a:t>Ajouter un manuel d'utilisateur dans le </a:t>
+            </a:r>
+            <a:br>
+              <a:rPr lang="fr-FR" sz="1200" dirty="0"/>
+            </a:br>
+            <a:r>
+              <a:rPr lang="fr-FR" sz="1200" dirty="0"/>
+              <a:t>menu Help</a:t>
+            </a:r>
+          </a:p>
+        </p:txBody>
+      </p:sp>
+      <p:sp>
+        <p:nvSpPr>
+          <p:cNvPr id="41" name="Rectangle : coins arrondis 40">
+            <a:extLst>
+              <a:ext uri="{FF2B5EF4-FFF2-40B4-BE49-F238E27FC236}">
+                <a16:creationId xmlns:a16="http://schemas.microsoft.com/office/drawing/2014/main" id="{923055B3-1304-F4CE-11AB-A19E29F88D24}"/>
+              </a:ext>
+            </a:extLst>
+          </p:cNvPr>
+          <p:cNvSpPr/>
+          <p:nvPr/>
+        </p:nvSpPr>
+        <p:spPr>
+          <a:xfrm>
+            <a:off x="366530" y="3035392"/>
+            <a:ext cx="3600000" cy="450000"/>
+          </a:xfrm>
+          <a:prstGeom prst="roundRect">
+            <a:avLst/>
+          </a:prstGeom>
+          <a:ln>
+            <a:solidFill>
+              <a:schemeClr val="tx1">
+                <a:lumMod val="85000"/>
+              </a:schemeClr>
+            </a:solidFill>
+          </a:ln>
+        </p:spPr>
+        <p:style>
+          <a:lnRef idx="2">
+            <a:schemeClr val="dk1">
+              <a:shade val="15000"/>
+            </a:schemeClr>
+          </a:lnRef>
+          <a:fillRef idx="1">
+            <a:schemeClr val="dk1"/>
+          </a:fillRef>
+          <a:effectRef idx="0">
+            <a:schemeClr val="dk1"/>
+          </a:effectRef>
+          <a:fontRef idx="minor">
+            <a:schemeClr val="lt1"/>
+          </a:fontRef>
+        </p:style>
+        <p:txBody>
+          <a:bodyPr rtlCol="0" anchor="ctr"/>
+          <a:lstStyle/>
+          <a:p>
+            <a:pPr algn="ctr"/>
+            <a:r>
+              <a:rPr lang="fr-FR" sz="1200" dirty="0"/>
+              <a:t>Ajouter un type de dépense exemple</a:t>
+            </a:r>
+            <a:br>
+              <a:rPr lang="fr-FR" sz="1200" dirty="0"/>
+            </a:br>
+            <a:r>
+              <a:rPr lang="fr-FR" sz="1200" dirty="0"/>
+              <a:t> (loisir, nourriture, fixe, etc.)</a:t>
+            </a:r>
+          </a:p>
+        </p:txBody>
+      </p:sp>
+      <p:sp>
+        <p:nvSpPr>
+          <p:cNvPr id="42" name="Rectangle : coins arrondis 41">
+            <a:extLst>
+              <a:ext uri="{FF2B5EF4-FFF2-40B4-BE49-F238E27FC236}">
+                <a16:creationId xmlns:a16="http://schemas.microsoft.com/office/drawing/2014/main" id="{A559614C-F378-C562-884C-66DDCA7E9D5D}"/>
+              </a:ext>
+            </a:extLst>
+          </p:cNvPr>
+          <p:cNvSpPr/>
+          <p:nvPr/>
+        </p:nvSpPr>
+        <p:spPr>
+          <a:xfrm>
+            <a:off x="366530" y="3592677"/>
+            <a:ext cx="3600000" cy="450000"/>
+          </a:xfrm>
+          <a:prstGeom prst="roundRect">
+            <a:avLst/>
+          </a:prstGeom>
+          <a:ln>
+            <a:solidFill>
+              <a:schemeClr val="tx1">
+                <a:lumMod val="85000"/>
+              </a:schemeClr>
+            </a:solidFill>
+          </a:ln>
+        </p:spPr>
+        <p:style>
+          <a:lnRef idx="2">
+            <a:schemeClr val="dk1">
+              <a:shade val="15000"/>
+            </a:schemeClr>
+          </a:lnRef>
+          <a:fillRef idx="1">
+            <a:schemeClr val="dk1"/>
+          </a:fillRef>
+          <a:effectRef idx="0">
+            <a:schemeClr val="dk1"/>
+          </a:effectRef>
+          <a:fontRef idx="minor">
+            <a:schemeClr val="lt1"/>
+          </a:fontRef>
+        </p:style>
+        <p:txBody>
+          <a:bodyPr rtlCol="0" anchor="ctr"/>
+          <a:lstStyle/>
+          <a:p>
+            <a:pPr algn="ctr"/>
+            <a:r>
+              <a:rPr lang="fr-FR" sz="1200" dirty="0"/>
+              <a:t>Améliorer les messages d'erreur sur les </a:t>
+            </a:r>
+            <a:br>
+              <a:rPr lang="fr-FR" sz="1200" dirty="0"/>
+            </a:br>
+            <a:r>
+              <a:rPr lang="fr-FR" sz="1200" dirty="0"/>
+              <a:t>valeurs non-renseignées.</a:t>
+            </a:r>
+            <a:endParaRPr lang="fr-CH" sz="1200" dirty="0"/>
+          </a:p>
+        </p:txBody>
+      </p:sp>
+      <p:sp>
+        <p:nvSpPr>
+          <p:cNvPr id="43" name="Rectangle : coins arrondis 42">
+            <a:extLst>
+              <a:ext uri="{FF2B5EF4-FFF2-40B4-BE49-F238E27FC236}">
+                <a16:creationId xmlns:a16="http://schemas.microsoft.com/office/drawing/2014/main" id="{C5DE8971-5ADA-F7B5-51F7-7D23D442C040}"/>
+              </a:ext>
+            </a:extLst>
+          </p:cNvPr>
+          <p:cNvSpPr/>
+          <p:nvPr/>
+        </p:nvSpPr>
+        <p:spPr>
+          <a:xfrm>
+            <a:off x="366530" y="4149962"/>
+            <a:ext cx="3600000" cy="450000"/>
+          </a:xfrm>
+          <a:prstGeom prst="roundRect">
+            <a:avLst/>
+          </a:prstGeom>
+          <a:ln>
+            <a:solidFill>
+              <a:schemeClr val="tx1">
+                <a:lumMod val="85000"/>
+              </a:schemeClr>
+            </a:solidFill>
+          </a:ln>
+        </p:spPr>
+        <p:style>
+          <a:lnRef idx="2">
+            <a:schemeClr val="dk1">
+              <a:shade val="15000"/>
+            </a:schemeClr>
+          </a:lnRef>
+          <a:fillRef idx="1">
+            <a:schemeClr val="dk1"/>
+          </a:fillRef>
+          <a:effectRef idx="0">
+            <a:schemeClr val="dk1"/>
+          </a:effectRef>
+          <a:fontRef idx="minor">
+            <a:schemeClr val="lt1"/>
+          </a:fontRef>
+        </p:style>
+        <p:txBody>
+          <a:bodyPr rtlCol="0" anchor="ctr"/>
+          <a:lstStyle/>
+          <a:p>
+            <a:pPr algn="ctr"/>
+            <a:r>
+              <a:rPr lang="fr-FR" sz="1200" dirty="0"/>
+              <a:t>mettre en surbrillance les champs incorrects lors d’erreurs</a:t>
+            </a:r>
+            <a:endParaRPr lang="fr-CH" sz="1200" dirty="0"/>
+          </a:p>
+        </p:txBody>
+      </p:sp>
+      <p:sp>
+        <p:nvSpPr>
+          <p:cNvPr id="44" name="Rectangle : coins arrondis 43">
+            <a:extLst>
+              <a:ext uri="{FF2B5EF4-FFF2-40B4-BE49-F238E27FC236}">
+                <a16:creationId xmlns:a16="http://schemas.microsoft.com/office/drawing/2014/main" id="{25120E85-A956-5683-C213-4FC1E49914CB}"/>
+              </a:ext>
+            </a:extLst>
+          </p:cNvPr>
+          <p:cNvSpPr/>
+          <p:nvPr/>
+        </p:nvSpPr>
+        <p:spPr>
+          <a:xfrm>
+            <a:off x="366530" y="4707592"/>
+            <a:ext cx="3600000" cy="450000"/>
+          </a:xfrm>
+          <a:prstGeom prst="roundRect">
+            <a:avLst/>
+          </a:prstGeom>
+          <a:ln>
+            <a:solidFill>
+              <a:schemeClr val="tx1">
+                <a:lumMod val="85000"/>
+              </a:schemeClr>
+            </a:solidFill>
+          </a:ln>
+        </p:spPr>
+        <p:style>
+          <a:lnRef idx="2">
+            <a:schemeClr val="dk1">
+              <a:shade val="15000"/>
+            </a:schemeClr>
+          </a:lnRef>
+          <a:fillRef idx="1">
+            <a:schemeClr val="dk1"/>
+          </a:fillRef>
+          <a:effectRef idx="0">
+            <a:schemeClr val="dk1"/>
+          </a:effectRef>
+          <a:fontRef idx="minor">
+            <a:schemeClr val="lt1"/>
+          </a:fontRef>
+        </p:style>
+        <p:txBody>
+          <a:bodyPr rtlCol="0" anchor="ctr"/>
+          <a:lstStyle/>
+          <a:p>
+            <a:pPr algn="ctr"/>
+            <a:r>
+              <a:rPr lang="fr-FR" sz="1200" dirty="0"/>
+              <a:t>Proposer d’enregistrer  le projet au moment de quitter</a:t>
+            </a:r>
+            <a:endParaRPr lang="fr-CH" sz="1200" dirty="0"/>
+          </a:p>
+        </p:txBody>
+      </p:sp>
+      <p:sp>
+        <p:nvSpPr>
+          <p:cNvPr id="45" name="Rectangle : coins arrondis 44">
+            <a:extLst>
+              <a:ext uri="{FF2B5EF4-FFF2-40B4-BE49-F238E27FC236}">
+                <a16:creationId xmlns:a16="http://schemas.microsoft.com/office/drawing/2014/main" id="{E4CCB111-A657-EC42-E2FE-7A3EBDA3370F}"/>
+              </a:ext>
+            </a:extLst>
+          </p:cNvPr>
+          <p:cNvSpPr/>
+          <p:nvPr/>
+        </p:nvSpPr>
+        <p:spPr>
+          <a:xfrm>
+            <a:off x="366530" y="5260685"/>
+            <a:ext cx="3600000" cy="450000"/>
+          </a:xfrm>
+          <a:prstGeom prst="roundRect">
+            <a:avLst/>
+          </a:prstGeom>
+          <a:ln>
+            <a:solidFill>
+              <a:schemeClr val="tx1">
+                <a:lumMod val="85000"/>
+              </a:schemeClr>
+            </a:solidFill>
+          </a:ln>
+        </p:spPr>
+        <p:style>
+          <a:lnRef idx="2">
+            <a:schemeClr val="dk1">
+              <a:shade val="15000"/>
+            </a:schemeClr>
+          </a:lnRef>
+          <a:fillRef idx="1">
+            <a:schemeClr val="dk1"/>
+          </a:fillRef>
+          <a:effectRef idx="0">
+            <a:schemeClr val="dk1"/>
+          </a:effectRef>
+          <a:fontRef idx="minor">
+            <a:schemeClr val="lt1"/>
+          </a:fontRef>
+        </p:style>
+        <p:txBody>
+          <a:bodyPr rtlCol="0" anchor="ctr"/>
+          <a:lstStyle/>
+          <a:p>
+            <a:pPr algn="ctr"/>
+            <a:r>
+              <a:rPr lang="fr-FR" sz="1200" dirty="0"/>
+              <a:t>Interdire de commencer avec un zéro dans la saisie du montant </a:t>
+            </a:r>
+          </a:p>
+        </p:txBody>
+      </p:sp>
+      <p:sp>
+        <p:nvSpPr>
+          <p:cNvPr id="46" name="Rectangle : coins arrondis 45">
+            <a:extLst>
+              <a:ext uri="{FF2B5EF4-FFF2-40B4-BE49-F238E27FC236}">
+                <a16:creationId xmlns:a16="http://schemas.microsoft.com/office/drawing/2014/main" id="{5E685A34-CFCC-A0B7-8BEF-4713C1F1512E}"/>
+              </a:ext>
+            </a:extLst>
+          </p:cNvPr>
+          <p:cNvSpPr/>
+          <p:nvPr/>
+        </p:nvSpPr>
+        <p:spPr>
+          <a:xfrm>
+            <a:off x="366530" y="5813778"/>
+            <a:ext cx="3600000" cy="450000"/>
+          </a:xfrm>
+          <a:prstGeom prst="roundRect">
+            <a:avLst/>
+          </a:prstGeom>
+          <a:ln>
+            <a:solidFill>
+              <a:schemeClr val="tx1">
+                <a:lumMod val="85000"/>
+              </a:schemeClr>
+            </a:solidFill>
+          </a:ln>
+        </p:spPr>
+        <p:style>
+          <a:lnRef idx="2">
+            <a:schemeClr val="dk1">
+              <a:shade val="15000"/>
+            </a:schemeClr>
+          </a:lnRef>
+          <a:fillRef idx="1">
+            <a:schemeClr val="dk1"/>
+          </a:fillRef>
+          <a:effectRef idx="0">
+            <a:schemeClr val="dk1"/>
+          </a:effectRef>
+          <a:fontRef idx="minor">
+            <a:schemeClr val="lt1"/>
+          </a:fontRef>
+        </p:style>
+        <p:txBody>
+          <a:bodyPr rtlCol="0" anchor="ctr"/>
+          <a:lstStyle/>
+          <a:p>
+            <a:pPr algn="ctr"/>
+            <a:r>
+              <a:rPr lang="fr-FR" sz="1200" dirty="0"/>
+              <a:t>Ajouter un bouton pour éditer une ligne</a:t>
+            </a:r>
+          </a:p>
+        </p:txBody>
+      </p:sp>
+      <p:sp>
+        <p:nvSpPr>
+          <p:cNvPr id="47" name="Rectangle : coins arrondis 46">
+            <a:extLst>
+              <a:ext uri="{FF2B5EF4-FFF2-40B4-BE49-F238E27FC236}">
+                <a16:creationId xmlns:a16="http://schemas.microsoft.com/office/drawing/2014/main" id="{FA242D81-3B82-3C56-839E-4082ADA8F481}"/>
+              </a:ext>
+            </a:extLst>
+          </p:cNvPr>
+          <p:cNvSpPr/>
+          <p:nvPr/>
+        </p:nvSpPr>
+        <p:spPr>
+          <a:xfrm>
+            <a:off x="8004112" y="2655253"/>
+            <a:ext cx="3636830" cy="596867"/>
+          </a:xfrm>
+          <a:prstGeom prst="roundRect">
+            <a:avLst/>
+          </a:prstGeom>
+          <a:ln>
+            <a:solidFill>
+              <a:schemeClr val="tx1">
+                <a:lumMod val="85000"/>
+              </a:schemeClr>
+            </a:solidFill>
+          </a:ln>
+        </p:spPr>
+        <p:style>
+          <a:lnRef idx="2">
+            <a:schemeClr val="dk1">
+              <a:shade val="15000"/>
+            </a:schemeClr>
+          </a:lnRef>
+          <a:fillRef idx="1">
+            <a:schemeClr val="dk1"/>
+          </a:fillRef>
+          <a:effectRef idx="0">
+            <a:schemeClr val="dk1"/>
+          </a:effectRef>
+          <a:fontRef idx="minor">
+            <a:schemeClr val="lt1"/>
+          </a:fontRef>
+        </p:style>
+        <p:txBody>
+          <a:bodyPr rtlCol="0" anchor="ctr"/>
+          <a:lstStyle/>
+          <a:p>
+            <a:pPr algn="ctr"/>
+            <a:r>
+              <a:rPr lang="fr-FR" sz="1200" dirty="0"/>
+              <a:t>La mise en place d'un filtre dynamique croisé entre les deux </a:t>
+            </a:r>
+            <a:r>
+              <a:rPr lang="fr-FR" sz="1200" dirty="0" err="1"/>
+              <a:t>Combobox</a:t>
+            </a:r>
+            <a:r>
+              <a:rPr lang="fr-FR" sz="1200" dirty="0"/>
+              <a:t> Date et Libellé</a:t>
+            </a:r>
+            <a:endParaRPr lang="fr-CH" sz="1200" dirty="0"/>
+          </a:p>
+        </p:txBody>
+      </p:sp>
+      <p:sp>
+        <p:nvSpPr>
+          <p:cNvPr id="48" name="Rectangle : coins arrondis 47">
+            <a:extLst>
+              <a:ext uri="{FF2B5EF4-FFF2-40B4-BE49-F238E27FC236}">
+                <a16:creationId xmlns:a16="http://schemas.microsoft.com/office/drawing/2014/main" id="{E2530616-6CD1-D92B-E28D-C8FF03379430}"/>
+              </a:ext>
+            </a:extLst>
+          </p:cNvPr>
+          <p:cNvSpPr/>
+          <p:nvPr/>
+        </p:nvSpPr>
+        <p:spPr>
+          <a:xfrm>
+            <a:off x="8022527" y="1991918"/>
+            <a:ext cx="3600000" cy="561466"/>
+          </a:xfrm>
+          <a:prstGeom prst="roundRect">
+            <a:avLst/>
+          </a:prstGeom>
+          <a:ln>
+            <a:solidFill>
+              <a:schemeClr val="tx1">
+                <a:lumMod val="85000"/>
+              </a:schemeClr>
+            </a:solidFill>
+          </a:ln>
+        </p:spPr>
+        <p:style>
+          <a:lnRef idx="2">
+            <a:schemeClr val="dk1">
+              <a:shade val="15000"/>
+            </a:schemeClr>
+          </a:lnRef>
+          <a:fillRef idx="1">
+            <a:schemeClr val="dk1"/>
+          </a:fillRef>
+          <a:effectRef idx="0">
+            <a:schemeClr val="dk1"/>
+          </a:effectRef>
+          <a:fontRef idx="minor">
+            <a:schemeClr val="lt1"/>
+          </a:fontRef>
+        </p:style>
+        <p:txBody>
+          <a:bodyPr rtlCol="0" anchor="ctr"/>
+          <a:lstStyle/>
+          <a:p>
+            <a:pPr algn="ctr"/>
+            <a:r>
+              <a:rPr lang="fr-FR" sz="1200" dirty="0"/>
+              <a:t>La mise en place du </a:t>
+            </a:r>
+            <a:r>
+              <a:rPr lang="fr-FR" sz="1200" dirty="0" err="1"/>
+              <a:t>systèem</a:t>
+            </a:r>
+            <a:r>
+              <a:rPr lang="fr-FR" sz="1200" dirty="0"/>
+              <a:t> MVC, </a:t>
+            </a:r>
+            <a:r>
+              <a:rPr lang="fr-FR" sz="1200" dirty="0" err="1"/>
+              <a:t>notament</a:t>
+            </a:r>
+            <a:r>
+              <a:rPr lang="fr-FR" sz="1200" dirty="0"/>
+              <a:t> avec la table</a:t>
+            </a:r>
+            <a:endParaRPr lang="fr-CH" sz="1200" dirty="0"/>
+          </a:p>
+        </p:txBody>
+      </p:sp>
+      <p:sp>
+        <p:nvSpPr>
+          <p:cNvPr id="49" name="Rectangle : coins arrondis 48">
+            <a:extLst>
+              <a:ext uri="{FF2B5EF4-FFF2-40B4-BE49-F238E27FC236}">
+                <a16:creationId xmlns:a16="http://schemas.microsoft.com/office/drawing/2014/main" id="{40C2DBCA-F0D6-BD54-F469-503241533EBA}"/>
+              </a:ext>
+            </a:extLst>
+          </p:cNvPr>
+          <p:cNvSpPr/>
+          <p:nvPr/>
+        </p:nvSpPr>
+        <p:spPr>
+          <a:xfrm>
+            <a:off x="8022527" y="1351555"/>
+            <a:ext cx="3600000" cy="538494"/>
+          </a:xfrm>
+          <a:prstGeom prst="roundRect">
+            <a:avLst/>
+          </a:prstGeom>
+          <a:ln>
+            <a:solidFill>
+              <a:schemeClr val="tx1">
+                <a:lumMod val="85000"/>
+              </a:schemeClr>
+            </a:solidFill>
+          </a:ln>
+        </p:spPr>
+        <p:style>
+          <a:lnRef idx="2">
+            <a:schemeClr val="dk1">
+              <a:shade val="15000"/>
+            </a:schemeClr>
+          </a:lnRef>
+          <a:fillRef idx="1">
+            <a:schemeClr val="dk1"/>
+          </a:fillRef>
+          <a:effectRef idx="0">
+            <a:schemeClr val="dk1"/>
+          </a:effectRef>
+          <a:fontRef idx="minor">
+            <a:schemeClr val="lt1"/>
+          </a:fontRef>
+        </p:style>
+        <p:txBody>
+          <a:bodyPr rtlCol="0" anchor="ctr"/>
+          <a:lstStyle/>
+          <a:p>
+            <a:pPr algn="ctr"/>
+            <a:r>
+              <a:rPr lang="fr-FR" sz="1200" dirty="0"/>
+              <a:t>mise en place de la table avec </a:t>
+            </a:r>
+            <a:r>
+              <a:rPr lang="fr-FR" sz="1200" dirty="0" err="1"/>
+              <a:t>avec</a:t>
+            </a:r>
+            <a:r>
+              <a:rPr lang="fr-FR" sz="1200" dirty="0"/>
+              <a:t> les rendus</a:t>
+            </a:r>
+            <a:endParaRPr lang="fr-CH" sz="1200" dirty="0"/>
+          </a:p>
+        </p:txBody>
+      </p:sp>
+      <p:sp>
+        <p:nvSpPr>
+          <p:cNvPr id="5" name="Rectangle : coins arrondis 4">
+            <a:extLst>
+              <a:ext uri="{FF2B5EF4-FFF2-40B4-BE49-F238E27FC236}">
+                <a16:creationId xmlns:a16="http://schemas.microsoft.com/office/drawing/2014/main" id="{A42E8B97-1B31-0AD5-0592-3E7DF692C296}"/>
+              </a:ext>
+            </a:extLst>
+          </p:cNvPr>
+          <p:cNvSpPr/>
+          <p:nvPr/>
+        </p:nvSpPr>
+        <p:spPr>
+          <a:xfrm>
+            <a:off x="8004112" y="3360281"/>
+            <a:ext cx="3636830" cy="555033"/>
+          </a:xfrm>
+          <a:prstGeom prst="roundRect">
+            <a:avLst/>
+          </a:prstGeom>
+          <a:ln>
+            <a:solidFill>
+              <a:schemeClr val="tx1">
+                <a:lumMod val="85000"/>
+              </a:schemeClr>
+            </a:solidFill>
+          </a:ln>
+        </p:spPr>
+        <p:style>
+          <a:lnRef idx="2">
+            <a:schemeClr val="dk1">
+              <a:shade val="15000"/>
+            </a:schemeClr>
+          </a:lnRef>
+          <a:fillRef idx="1">
+            <a:schemeClr val="dk1"/>
+          </a:fillRef>
+          <a:effectRef idx="0">
+            <a:schemeClr val="dk1"/>
+          </a:effectRef>
+          <a:fontRef idx="minor">
+            <a:schemeClr val="lt1"/>
+          </a:fontRef>
+        </p:style>
+        <p:txBody>
+          <a:bodyPr rtlCol="0" anchor="ctr"/>
+          <a:lstStyle/>
+          <a:p>
+            <a:pPr algn="ctr"/>
+            <a:r>
+              <a:rPr lang="fr-FR" sz="1200" dirty="0"/>
+              <a:t>La difficulté de définir les taches de </a:t>
+            </a:r>
+            <a:r>
+              <a:rPr lang="fr-FR" sz="1200" dirty="0" err="1"/>
+              <a:t>chacuns</a:t>
+            </a:r>
+            <a:r>
+              <a:rPr lang="fr-FR" sz="1200" dirty="0"/>
+              <a:t> (travail en commun)</a:t>
+            </a:r>
+            <a:endParaRPr lang="fr-CH" sz="1200" dirty="0"/>
+          </a:p>
+        </p:txBody>
+      </p:sp>
+      <p:sp>
+        <p:nvSpPr>
+          <p:cNvPr id="15" name="Rectangle : coins arrondis 14">
+            <a:extLst>
+              <a:ext uri="{FF2B5EF4-FFF2-40B4-BE49-F238E27FC236}">
+                <a16:creationId xmlns:a16="http://schemas.microsoft.com/office/drawing/2014/main" id="{DF658B29-6C52-1D38-33E3-3E67FFD54CAF}"/>
+              </a:ext>
+            </a:extLst>
+          </p:cNvPr>
+          <p:cNvSpPr/>
+          <p:nvPr/>
+        </p:nvSpPr>
+        <p:spPr>
+          <a:xfrm>
+            <a:off x="8022527" y="4023196"/>
+            <a:ext cx="3636830" cy="555741"/>
+          </a:xfrm>
+          <a:prstGeom prst="roundRect">
+            <a:avLst/>
+          </a:prstGeom>
+          <a:ln>
+            <a:solidFill>
+              <a:schemeClr val="tx1">
+                <a:lumMod val="85000"/>
+              </a:schemeClr>
+            </a:solidFill>
+          </a:ln>
+        </p:spPr>
+        <p:style>
+          <a:lnRef idx="2">
+            <a:schemeClr val="dk1">
+              <a:shade val="15000"/>
+            </a:schemeClr>
+          </a:lnRef>
+          <a:fillRef idx="1">
+            <a:schemeClr val="dk1"/>
+          </a:fillRef>
+          <a:effectRef idx="0">
+            <a:schemeClr val="dk1"/>
+          </a:effectRef>
+          <a:fontRef idx="minor">
+            <a:schemeClr val="lt1"/>
+          </a:fontRef>
+        </p:style>
+        <p:txBody>
+          <a:bodyPr rtlCol="0" anchor="ctr"/>
+          <a:lstStyle/>
+          <a:p>
+            <a:pPr algn="ctr"/>
+            <a:r>
+              <a:rPr lang="fr-FR" sz="1200" dirty="0"/>
+              <a:t>L'utilisation de GitHub, très capricieux, qui fait perdre un temps phénoménal</a:t>
+            </a:r>
+            <a:endParaRPr lang="fr-CH" sz="1200" dirty="0"/>
+          </a:p>
+        </p:txBody>
+      </p:sp>
+      <p:sp>
+        <p:nvSpPr>
+          <p:cNvPr id="16" name="Rectangle : coins arrondis 15">
+            <a:extLst>
+              <a:ext uri="{FF2B5EF4-FFF2-40B4-BE49-F238E27FC236}">
+                <a16:creationId xmlns:a16="http://schemas.microsoft.com/office/drawing/2014/main" id="{E0E56B79-2790-2C1A-5FF0-2437F0561B0C}"/>
+              </a:ext>
+            </a:extLst>
+          </p:cNvPr>
+          <p:cNvSpPr/>
+          <p:nvPr/>
+        </p:nvSpPr>
+        <p:spPr>
+          <a:xfrm>
+            <a:off x="8022527" y="4681531"/>
+            <a:ext cx="3636830" cy="615490"/>
+          </a:xfrm>
+          <a:prstGeom prst="roundRect">
+            <a:avLst/>
+          </a:prstGeom>
+          <a:ln>
+            <a:solidFill>
+              <a:schemeClr val="tx1">
+                <a:lumMod val="85000"/>
+              </a:schemeClr>
+            </a:solidFill>
+          </a:ln>
+        </p:spPr>
+        <p:style>
+          <a:lnRef idx="2">
+            <a:schemeClr val="dk1">
+              <a:shade val="15000"/>
+            </a:schemeClr>
+          </a:lnRef>
+          <a:fillRef idx="1">
+            <a:schemeClr val="dk1"/>
+          </a:fillRef>
+          <a:effectRef idx="0">
+            <a:schemeClr val="dk1"/>
+          </a:effectRef>
+          <a:fontRef idx="minor">
+            <a:schemeClr val="lt1"/>
+          </a:fontRef>
+        </p:style>
+        <p:txBody>
+          <a:bodyPr rtlCol="0" anchor="ctr"/>
+          <a:lstStyle/>
+          <a:p>
+            <a:pPr algn="ctr"/>
+            <a:r>
+              <a:rPr lang="fr-FR" sz="1200" dirty="0"/>
+              <a:t>L'</a:t>
+            </a:r>
+            <a:r>
+              <a:rPr lang="fr-FR" sz="1200" dirty="0" err="1"/>
+              <a:t>utilsation</a:t>
+            </a:r>
+            <a:r>
+              <a:rPr lang="fr-FR" sz="1200" dirty="0"/>
+              <a:t> d'Eclipse, qui est aussi capricieux avec les projets et qui déteste les changements qu'il n'a pas initié</a:t>
+            </a:r>
+            <a:endParaRPr lang="fr-CH" sz="1200" dirty="0"/>
+          </a:p>
+        </p:txBody>
+      </p:sp>
+    </p:spTree>
+    <p:extLst>
+      <p:ext uri="{BB962C8B-B14F-4D97-AF65-F5344CB8AC3E}">
+        <p14:creationId xmlns:p14="http://schemas.microsoft.com/office/powerpoint/2010/main" val="3580944106"/>
+      </p:ext>
+    </p:extLst>
+  </p:cSld>
+  <p:clrMapOvr>
+    <a:masterClrMapping/>
+  </p:clrMapOvr>
+  <p:timing>
+    <p:tnLst>
+      <p:par>
+        <p:cTn id="1" dur="indefinite" restart="never" nodeType="tmRoot">
+          <p:childTnLst>
+            <p:seq concurrent="1" nextAc="seek">
+              <p:cTn id="2" dur="indefinite" nodeType="mainSeq">
+                <p:childTnLst>
+                  <p:par>
+                    <p:cTn id="3" fill="hold">
+                      <p:stCondLst>
+                        <p:cond delay="indefinite"/>
+                      </p:stCondLst>
+                      <p:childTnLst>
+                        <p:par>
+                          <p:cTn id="4" fill="hold">
+                            <p:stCondLst>
+                              <p:cond delay="0"/>
+                            </p:stCondLst>
+                            <p:childTnLst>
+                              <p:par>
+                                <p:cTn id="5" presetID="1" presetClass="entr" presetSubtype="0" fill="hold" grpId="0" nodeType="clickEffect">
+                                  <p:stCondLst>
+                                    <p:cond delay="0"/>
+                                  </p:stCondLst>
+                                  <p:childTnLst>
+                                    <p:set>
+                                      <p:cBhvr>
+                                        <p:cTn id="6" dur="1" fill="hold">
+                                          <p:stCondLst>
+                                            <p:cond delay="0"/>
+                                          </p:stCondLst>
+                                        </p:cTn>
+                                        <p:tgtEl>
+                                          <p:spTgt spid="7"/>
+                                        </p:tgtEl>
+                                        <p:attrNameLst>
+                                          <p:attrName>style.visibility</p:attrName>
+                                        </p:attrNameLst>
+                                      </p:cBhvr>
+                                      <p:to>
+                                        <p:strVal val="visible"/>
+                                      </p:to>
+                                    </p:set>
+                                  </p:childTnLst>
+                                </p:cTn>
+                              </p:par>
+                              <p:par>
+                                <p:cTn id="7" presetID="1" presetClass="entr" presetSubtype="0" fill="hold" grpId="0" nodeType="withEffect">
+                                  <p:stCondLst>
+                                    <p:cond delay="0"/>
+                                  </p:stCondLst>
+                                  <p:childTnLst>
+                                    <p:set>
+                                      <p:cBhvr>
+                                        <p:cTn id="8" dur="1" fill="hold">
+                                          <p:stCondLst>
+                                            <p:cond delay="0"/>
+                                          </p:stCondLst>
+                                        </p:cTn>
+                                        <p:tgtEl>
+                                          <p:spTgt spid="6"/>
+                                        </p:tgtEl>
+                                        <p:attrNameLst>
+                                          <p:attrName>style.visibility</p:attrName>
+                                        </p:attrNameLst>
+                                      </p:cBhvr>
+                                      <p:to>
+                                        <p:strVal val="visible"/>
+                                      </p:to>
+                                    </p:set>
+                                  </p:childTnLst>
+                                </p:cTn>
+                              </p:par>
+                              <p:par>
+                                <p:cTn id="9" presetID="1" presetClass="entr" presetSubtype="0" fill="hold" grpId="0" nodeType="withEffect">
+                                  <p:stCondLst>
+                                    <p:cond delay="0"/>
+                                  </p:stCondLst>
+                                  <p:childTnLst>
+                                    <p:set>
+                                      <p:cBhvr>
+                                        <p:cTn id="10" dur="1" fill="hold">
+                                          <p:stCondLst>
+                                            <p:cond delay="0"/>
+                                          </p:stCondLst>
+                                        </p:cTn>
+                                        <p:tgtEl>
+                                          <p:spTgt spid="8"/>
+                                        </p:tgtEl>
+                                        <p:attrNameLst>
+                                          <p:attrName>style.visibility</p:attrName>
+                                        </p:attrNameLst>
+                                      </p:cBhvr>
+                                      <p:to>
+                                        <p:strVal val="visible"/>
+                                      </p:to>
+                                    </p:set>
+                                  </p:childTnLst>
+                                </p:cTn>
+                              </p:par>
+                            </p:childTnLst>
+                          </p:cTn>
+                        </p:par>
+                      </p:childTnLst>
+                    </p:cTn>
+                  </p:par>
+                  <p:par>
+                    <p:cTn id="11" fill="hold">
+                      <p:stCondLst>
+                        <p:cond delay="indefinite"/>
+                      </p:stCondLst>
+                      <p:childTnLst>
+                        <p:par>
+                          <p:cTn id="12" fill="hold">
+                            <p:stCondLst>
+                              <p:cond delay="0"/>
+                            </p:stCondLst>
+                            <p:childTnLst>
+                              <p:par>
+                                <p:cTn id="13" presetID="1" presetClass="entr" presetSubtype="0" fill="hold" grpId="0" nodeType="clickEffect">
+                                  <p:stCondLst>
+                                    <p:cond delay="0"/>
+                                  </p:stCondLst>
+                                  <p:childTnLst>
+                                    <p:set>
+                                      <p:cBhvr>
+                                        <p:cTn id="14" dur="1" fill="hold">
+                                          <p:stCondLst>
+                                            <p:cond delay="199"/>
+                                          </p:stCondLst>
+                                        </p:cTn>
+                                        <p:tgtEl>
+                                          <p:spTgt spid="38">
+                                            <p:bg/>
+                                          </p:spTgt>
+                                        </p:tgtEl>
+                                        <p:attrNameLst>
+                                          <p:attrName>style.visibility</p:attrName>
+                                        </p:attrNameLst>
+                                      </p:cBhvr>
+                                      <p:to>
+                                        <p:strVal val="visible"/>
+                                      </p:to>
+                                    </p:set>
+                                  </p:childTnLst>
+                                </p:cTn>
+                              </p:par>
+                              <p:par>
+                                <p:cTn id="15" presetID="1" presetClass="entr" presetSubtype="0" fill="hold" grpId="0" nodeType="withEffect">
+                                  <p:stCondLst>
+                                    <p:cond delay="0"/>
+                                  </p:stCondLst>
+                                  <p:childTnLst>
+                                    <p:set>
+                                      <p:cBhvr>
+                                        <p:cTn id="16" dur="1" fill="hold">
+                                          <p:stCondLst>
+                                            <p:cond delay="199"/>
+                                          </p:stCondLst>
+                                        </p:cTn>
+                                        <p:tgtEl>
+                                          <p:spTgt spid="38">
+                                            <p:txEl>
+                                              <p:pRg st="0" end="0"/>
+                                            </p:txEl>
+                                          </p:spTgt>
+                                        </p:tgtEl>
+                                        <p:attrNameLst>
+                                          <p:attrName>style.visibility</p:attrName>
+                                        </p:attrNameLst>
+                                      </p:cBhvr>
+                                      <p:to>
+                                        <p:strVal val="visible"/>
+                                      </p:to>
+                                    </p:set>
+                                  </p:childTnLst>
+                                </p:cTn>
+                              </p:par>
+                            </p:childTnLst>
+                          </p:cTn>
+                        </p:par>
+                        <p:par>
+                          <p:cTn id="17" fill="hold">
+                            <p:stCondLst>
+                              <p:cond delay="200"/>
+                            </p:stCondLst>
+                            <p:childTnLst>
+                              <p:par>
+                                <p:cTn id="18" presetID="1" presetClass="entr" presetSubtype="0" fill="hold" grpId="0" nodeType="afterEffect">
+                                  <p:stCondLst>
+                                    <p:cond delay="0"/>
+                                  </p:stCondLst>
+                                  <p:childTnLst>
+                                    <p:set>
+                                      <p:cBhvr>
+                                        <p:cTn id="19" dur="1" fill="hold">
+                                          <p:stCondLst>
+                                            <p:cond delay="199"/>
+                                          </p:stCondLst>
+                                        </p:cTn>
+                                        <p:tgtEl>
+                                          <p:spTgt spid="39">
+                                            <p:bg/>
+                                          </p:spTgt>
+                                        </p:tgtEl>
+                                        <p:attrNameLst>
+                                          <p:attrName>style.visibility</p:attrName>
+                                        </p:attrNameLst>
+                                      </p:cBhvr>
+                                      <p:to>
+                                        <p:strVal val="visible"/>
+                                      </p:to>
+                                    </p:set>
+                                  </p:childTnLst>
+                                </p:cTn>
+                              </p:par>
+                              <p:par>
+                                <p:cTn id="20" presetID="1" presetClass="entr" presetSubtype="0" fill="hold" grpId="0" nodeType="withEffect">
+                                  <p:stCondLst>
+                                    <p:cond delay="0"/>
+                                  </p:stCondLst>
+                                  <p:childTnLst>
+                                    <p:set>
+                                      <p:cBhvr>
+                                        <p:cTn id="21" dur="1" fill="hold">
+                                          <p:stCondLst>
+                                            <p:cond delay="199"/>
+                                          </p:stCondLst>
+                                        </p:cTn>
+                                        <p:tgtEl>
+                                          <p:spTgt spid="39">
+                                            <p:txEl>
+                                              <p:pRg st="0" end="0"/>
+                                            </p:txEl>
+                                          </p:spTgt>
+                                        </p:tgtEl>
+                                        <p:attrNameLst>
+                                          <p:attrName>style.visibility</p:attrName>
+                                        </p:attrNameLst>
+                                      </p:cBhvr>
+                                      <p:to>
+                                        <p:strVal val="visible"/>
+                                      </p:to>
+                                    </p:set>
+                                  </p:childTnLst>
+                                </p:cTn>
+                              </p:par>
+                            </p:childTnLst>
+                          </p:cTn>
+                        </p:par>
+                        <p:par>
+                          <p:cTn id="22" fill="hold">
+                            <p:stCondLst>
+                              <p:cond delay="400"/>
+                            </p:stCondLst>
+                            <p:childTnLst>
+                              <p:par>
+                                <p:cTn id="23" presetID="1" presetClass="entr" presetSubtype="0" fill="hold" grpId="0" nodeType="afterEffect">
+                                  <p:stCondLst>
+                                    <p:cond delay="0"/>
+                                  </p:stCondLst>
+                                  <p:childTnLst>
+                                    <p:set>
+                                      <p:cBhvr>
+                                        <p:cTn id="24" dur="1" fill="hold">
+                                          <p:stCondLst>
+                                            <p:cond delay="199"/>
+                                          </p:stCondLst>
+                                        </p:cTn>
+                                        <p:tgtEl>
+                                          <p:spTgt spid="40">
+                                            <p:bg/>
+                                          </p:spTgt>
+                                        </p:tgtEl>
+                                        <p:attrNameLst>
+                                          <p:attrName>style.visibility</p:attrName>
+                                        </p:attrNameLst>
+                                      </p:cBhvr>
+                                      <p:to>
+                                        <p:strVal val="visible"/>
+                                      </p:to>
+                                    </p:set>
+                                  </p:childTnLst>
+                                </p:cTn>
+                              </p:par>
+                              <p:par>
+                                <p:cTn id="25" presetID="1" presetClass="entr" presetSubtype="0" fill="hold" grpId="0" nodeType="withEffect">
+                                  <p:stCondLst>
+                                    <p:cond delay="0"/>
+                                  </p:stCondLst>
+                                  <p:childTnLst>
+                                    <p:set>
+                                      <p:cBhvr>
+                                        <p:cTn id="26" dur="1" fill="hold">
+                                          <p:stCondLst>
+                                            <p:cond delay="199"/>
+                                          </p:stCondLst>
+                                        </p:cTn>
+                                        <p:tgtEl>
+                                          <p:spTgt spid="40">
+                                            <p:txEl>
+                                              <p:pRg st="0" end="0"/>
+                                            </p:txEl>
+                                          </p:spTgt>
+                                        </p:tgtEl>
+                                        <p:attrNameLst>
+                                          <p:attrName>style.visibility</p:attrName>
+                                        </p:attrNameLst>
+                                      </p:cBhvr>
+                                      <p:to>
+                                        <p:strVal val="visible"/>
+                                      </p:to>
+                                    </p:set>
+                                  </p:childTnLst>
+                                </p:cTn>
+                              </p:par>
+                            </p:childTnLst>
+                          </p:cTn>
+                        </p:par>
+                        <p:par>
+                          <p:cTn id="27" fill="hold">
+                            <p:stCondLst>
+                              <p:cond delay="600"/>
+                            </p:stCondLst>
+                            <p:childTnLst>
+                              <p:par>
+                                <p:cTn id="28" presetID="1" presetClass="entr" presetSubtype="0" fill="hold" grpId="0" nodeType="afterEffect">
+                                  <p:stCondLst>
+                                    <p:cond delay="0"/>
+                                  </p:stCondLst>
+                                  <p:childTnLst>
+                                    <p:set>
+                                      <p:cBhvr>
+                                        <p:cTn id="29" dur="1" fill="hold">
+                                          <p:stCondLst>
+                                            <p:cond delay="199"/>
+                                          </p:stCondLst>
+                                        </p:cTn>
+                                        <p:tgtEl>
+                                          <p:spTgt spid="41">
+                                            <p:bg/>
+                                          </p:spTgt>
+                                        </p:tgtEl>
+                                        <p:attrNameLst>
+                                          <p:attrName>style.visibility</p:attrName>
+                                        </p:attrNameLst>
+                                      </p:cBhvr>
+                                      <p:to>
+                                        <p:strVal val="visible"/>
+                                      </p:to>
+                                    </p:set>
+                                  </p:childTnLst>
+                                </p:cTn>
+                              </p:par>
+                              <p:par>
+                                <p:cTn id="30" presetID="1" presetClass="entr" presetSubtype="0" fill="hold" grpId="0" nodeType="withEffect">
+                                  <p:stCondLst>
+                                    <p:cond delay="0"/>
+                                  </p:stCondLst>
+                                  <p:childTnLst>
+                                    <p:set>
+                                      <p:cBhvr>
+                                        <p:cTn id="31" dur="1" fill="hold">
+                                          <p:stCondLst>
+                                            <p:cond delay="199"/>
+                                          </p:stCondLst>
+                                        </p:cTn>
+                                        <p:tgtEl>
+                                          <p:spTgt spid="41">
+                                            <p:txEl>
+                                              <p:pRg st="0" end="0"/>
+                                            </p:txEl>
+                                          </p:spTgt>
+                                        </p:tgtEl>
+                                        <p:attrNameLst>
+                                          <p:attrName>style.visibility</p:attrName>
+                                        </p:attrNameLst>
+                                      </p:cBhvr>
+                                      <p:to>
+                                        <p:strVal val="visible"/>
+                                      </p:to>
+                                    </p:set>
+                                  </p:childTnLst>
+                                </p:cTn>
+                              </p:par>
+                            </p:childTnLst>
+                          </p:cTn>
+                        </p:par>
+                        <p:par>
+                          <p:cTn id="32" fill="hold">
+                            <p:stCondLst>
+                              <p:cond delay="800"/>
+                            </p:stCondLst>
+                            <p:childTnLst>
+                              <p:par>
+                                <p:cTn id="33" presetID="1" presetClass="entr" presetSubtype="0" fill="hold" grpId="0" nodeType="afterEffect">
+                                  <p:stCondLst>
+                                    <p:cond delay="0"/>
+                                  </p:stCondLst>
+                                  <p:childTnLst>
+                                    <p:set>
+                                      <p:cBhvr>
+                                        <p:cTn id="34" dur="1" fill="hold">
+                                          <p:stCondLst>
+                                            <p:cond delay="199"/>
+                                          </p:stCondLst>
+                                        </p:cTn>
+                                        <p:tgtEl>
+                                          <p:spTgt spid="42">
+                                            <p:bg/>
+                                          </p:spTgt>
+                                        </p:tgtEl>
+                                        <p:attrNameLst>
+                                          <p:attrName>style.visibility</p:attrName>
+                                        </p:attrNameLst>
+                                      </p:cBhvr>
+                                      <p:to>
+                                        <p:strVal val="visible"/>
+                                      </p:to>
+                                    </p:set>
+                                  </p:childTnLst>
+                                </p:cTn>
+                              </p:par>
+                              <p:par>
+                                <p:cTn id="35" presetID="1" presetClass="entr" presetSubtype="0" fill="hold" grpId="0" nodeType="withEffect">
+                                  <p:stCondLst>
+                                    <p:cond delay="0"/>
+                                  </p:stCondLst>
+                                  <p:childTnLst>
+                                    <p:set>
+                                      <p:cBhvr>
+                                        <p:cTn id="36" dur="1" fill="hold">
+                                          <p:stCondLst>
+                                            <p:cond delay="199"/>
+                                          </p:stCondLst>
+                                        </p:cTn>
+                                        <p:tgtEl>
+                                          <p:spTgt spid="42">
+                                            <p:txEl>
+                                              <p:pRg st="0" end="0"/>
+                                            </p:txEl>
+                                          </p:spTgt>
+                                        </p:tgtEl>
+                                        <p:attrNameLst>
+                                          <p:attrName>style.visibility</p:attrName>
+                                        </p:attrNameLst>
+                                      </p:cBhvr>
+                                      <p:to>
+                                        <p:strVal val="visible"/>
+                                      </p:to>
+                                    </p:set>
+                                  </p:childTnLst>
+                                </p:cTn>
+                              </p:par>
+                            </p:childTnLst>
+                          </p:cTn>
+                        </p:par>
+                        <p:par>
+                          <p:cTn id="37" fill="hold">
+                            <p:stCondLst>
+                              <p:cond delay="1000"/>
+                            </p:stCondLst>
+                            <p:childTnLst>
+                              <p:par>
+                                <p:cTn id="38" presetID="1" presetClass="entr" presetSubtype="0" fill="hold" grpId="0" nodeType="afterEffect">
+                                  <p:stCondLst>
+                                    <p:cond delay="0"/>
+                                  </p:stCondLst>
+                                  <p:childTnLst>
+                                    <p:set>
+                                      <p:cBhvr>
+                                        <p:cTn id="39" dur="1" fill="hold">
+                                          <p:stCondLst>
+                                            <p:cond delay="199"/>
+                                          </p:stCondLst>
+                                        </p:cTn>
+                                        <p:tgtEl>
+                                          <p:spTgt spid="43">
+                                            <p:bg/>
+                                          </p:spTgt>
+                                        </p:tgtEl>
+                                        <p:attrNameLst>
+                                          <p:attrName>style.visibility</p:attrName>
+                                        </p:attrNameLst>
+                                      </p:cBhvr>
+                                      <p:to>
+                                        <p:strVal val="visible"/>
+                                      </p:to>
+                                    </p:set>
+                                  </p:childTnLst>
+                                </p:cTn>
+                              </p:par>
+                              <p:par>
+                                <p:cTn id="40" presetID="1" presetClass="entr" presetSubtype="0" fill="hold" grpId="0" nodeType="withEffect">
+                                  <p:stCondLst>
+                                    <p:cond delay="0"/>
+                                  </p:stCondLst>
+                                  <p:childTnLst>
+                                    <p:set>
+                                      <p:cBhvr>
+                                        <p:cTn id="41" dur="1" fill="hold">
+                                          <p:stCondLst>
+                                            <p:cond delay="199"/>
+                                          </p:stCondLst>
+                                        </p:cTn>
+                                        <p:tgtEl>
+                                          <p:spTgt spid="43">
+                                            <p:txEl>
+                                              <p:pRg st="0" end="0"/>
+                                            </p:txEl>
+                                          </p:spTgt>
+                                        </p:tgtEl>
+                                        <p:attrNameLst>
+                                          <p:attrName>style.visibility</p:attrName>
+                                        </p:attrNameLst>
+                                      </p:cBhvr>
+                                      <p:to>
+                                        <p:strVal val="visible"/>
+                                      </p:to>
+                                    </p:set>
+                                  </p:childTnLst>
+                                </p:cTn>
+                              </p:par>
+                            </p:childTnLst>
+                          </p:cTn>
+                        </p:par>
+                        <p:par>
+                          <p:cTn id="42" fill="hold">
+                            <p:stCondLst>
+                              <p:cond delay="1200"/>
+                            </p:stCondLst>
+                            <p:childTnLst>
+                              <p:par>
+                                <p:cTn id="43" presetID="1" presetClass="entr" presetSubtype="0" fill="hold" grpId="0" nodeType="afterEffect">
+                                  <p:stCondLst>
+                                    <p:cond delay="0"/>
+                                  </p:stCondLst>
+                                  <p:childTnLst>
+                                    <p:set>
+                                      <p:cBhvr>
+                                        <p:cTn id="44" dur="1" fill="hold">
+                                          <p:stCondLst>
+                                            <p:cond delay="199"/>
+                                          </p:stCondLst>
+                                        </p:cTn>
+                                        <p:tgtEl>
+                                          <p:spTgt spid="44">
+                                            <p:bg/>
+                                          </p:spTgt>
+                                        </p:tgtEl>
+                                        <p:attrNameLst>
+                                          <p:attrName>style.visibility</p:attrName>
+                                        </p:attrNameLst>
+                                      </p:cBhvr>
+                                      <p:to>
+                                        <p:strVal val="visible"/>
+                                      </p:to>
+                                    </p:set>
+                                  </p:childTnLst>
+                                </p:cTn>
+                              </p:par>
+                              <p:par>
+                                <p:cTn id="45" presetID="1" presetClass="entr" presetSubtype="0" fill="hold" grpId="0" nodeType="withEffect">
+                                  <p:stCondLst>
+                                    <p:cond delay="0"/>
+                                  </p:stCondLst>
+                                  <p:childTnLst>
+                                    <p:set>
+                                      <p:cBhvr>
+                                        <p:cTn id="46" dur="1" fill="hold">
+                                          <p:stCondLst>
+                                            <p:cond delay="199"/>
+                                          </p:stCondLst>
+                                        </p:cTn>
+                                        <p:tgtEl>
+                                          <p:spTgt spid="44">
+                                            <p:txEl>
+                                              <p:pRg st="0" end="0"/>
+                                            </p:txEl>
+                                          </p:spTgt>
+                                        </p:tgtEl>
+                                        <p:attrNameLst>
+                                          <p:attrName>style.visibility</p:attrName>
+                                        </p:attrNameLst>
+                                      </p:cBhvr>
+                                      <p:to>
+                                        <p:strVal val="visible"/>
+                                      </p:to>
+                                    </p:set>
+                                  </p:childTnLst>
+                                </p:cTn>
+                              </p:par>
+                            </p:childTnLst>
+                          </p:cTn>
+                        </p:par>
+                        <p:par>
+                          <p:cTn id="47" fill="hold">
+                            <p:stCondLst>
+                              <p:cond delay="1400"/>
+                            </p:stCondLst>
+                            <p:childTnLst>
+                              <p:par>
+                                <p:cTn id="48" presetID="1" presetClass="entr" presetSubtype="0" fill="hold" grpId="0" nodeType="afterEffect">
+                                  <p:stCondLst>
+                                    <p:cond delay="0"/>
+                                  </p:stCondLst>
+                                  <p:childTnLst>
+                                    <p:set>
+                                      <p:cBhvr>
+                                        <p:cTn id="49" dur="1" fill="hold">
+                                          <p:stCondLst>
+                                            <p:cond delay="199"/>
+                                          </p:stCondLst>
+                                        </p:cTn>
+                                        <p:tgtEl>
+                                          <p:spTgt spid="45">
+                                            <p:bg/>
+                                          </p:spTgt>
+                                        </p:tgtEl>
+                                        <p:attrNameLst>
+                                          <p:attrName>style.visibility</p:attrName>
+                                        </p:attrNameLst>
+                                      </p:cBhvr>
+                                      <p:to>
+                                        <p:strVal val="visible"/>
+                                      </p:to>
+                                    </p:set>
+                                  </p:childTnLst>
+                                </p:cTn>
+                              </p:par>
+                              <p:par>
+                                <p:cTn id="50" presetID="1" presetClass="entr" presetSubtype="0" fill="hold" grpId="0" nodeType="withEffect">
+                                  <p:stCondLst>
+                                    <p:cond delay="0"/>
+                                  </p:stCondLst>
+                                  <p:childTnLst>
+                                    <p:set>
+                                      <p:cBhvr>
+                                        <p:cTn id="51" dur="1" fill="hold">
+                                          <p:stCondLst>
+                                            <p:cond delay="199"/>
+                                          </p:stCondLst>
+                                        </p:cTn>
+                                        <p:tgtEl>
+                                          <p:spTgt spid="45">
+                                            <p:txEl>
+                                              <p:pRg st="0" end="0"/>
+                                            </p:txEl>
+                                          </p:spTgt>
+                                        </p:tgtEl>
+                                        <p:attrNameLst>
+                                          <p:attrName>style.visibility</p:attrName>
+                                        </p:attrNameLst>
+                                      </p:cBhvr>
+                                      <p:to>
+                                        <p:strVal val="visible"/>
+                                      </p:to>
+                                    </p:set>
+                                  </p:childTnLst>
+                                </p:cTn>
+                              </p:par>
+                            </p:childTnLst>
+                          </p:cTn>
+                        </p:par>
+                        <p:par>
+                          <p:cTn id="52" fill="hold">
+                            <p:stCondLst>
+                              <p:cond delay="1600"/>
+                            </p:stCondLst>
+                            <p:childTnLst>
+                              <p:par>
+                                <p:cTn id="53" presetID="1" presetClass="entr" presetSubtype="0" fill="hold" grpId="0" nodeType="afterEffect">
+                                  <p:stCondLst>
+                                    <p:cond delay="0"/>
+                                  </p:stCondLst>
+                                  <p:childTnLst>
+                                    <p:set>
+                                      <p:cBhvr>
+                                        <p:cTn id="54" dur="1" fill="hold">
+                                          <p:stCondLst>
+                                            <p:cond delay="199"/>
+                                          </p:stCondLst>
+                                        </p:cTn>
+                                        <p:tgtEl>
+                                          <p:spTgt spid="46">
+                                            <p:bg/>
+                                          </p:spTgt>
+                                        </p:tgtEl>
+                                        <p:attrNameLst>
+                                          <p:attrName>style.visibility</p:attrName>
+                                        </p:attrNameLst>
+                                      </p:cBhvr>
+                                      <p:to>
+                                        <p:strVal val="visible"/>
+                                      </p:to>
+                                    </p:set>
+                                  </p:childTnLst>
+                                </p:cTn>
+                              </p:par>
+                              <p:par>
+                                <p:cTn id="55" presetID="1" presetClass="entr" presetSubtype="0" fill="hold" grpId="0" nodeType="withEffect">
+                                  <p:stCondLst>
+                                    <p:cond delay="0"/>
+                                  </p:stCondLst>
+                                  <p:childTnLst>
+                                    <p:set>
+                                      <p:cBhvr>
+                                        <p:cTn id="56" dur="1" fill="hold">
+                                          <p:stCondLst>
+                                            <p:cond delay="199"/>
+                                          </p:stCondLst>
+                                        </p:cTn>
+                                        <p:tgtEl>
+                                          <p:spTgt spid="46">
+                                            <p:txEl>
+                                              <p:pRg st="0" end="0"/>
+                                            </p:txEl>
+                                          </p:spTgt>
+                                        </p:tgtEl>
+                                        <p:attrNameLst>
+                                          <p:attrName>style.visibility</p:attrName>
+                                        </p:attrNameLst>
+                                      </p:cBhvr>
+                                      <p:to>
+                                        <p:strVal val="visible"/>
+                                      </p:to>
+                                    </p:set>
+                                  </p:childTnLst>
+                                </p:cTn>
+                              </p:par>
+                            </p:childTnLst>
+                          </p:cTn>
+                        </p:par>
+                      </p:childTnLst>
+                    </p:cTn>
+                  </p:par>
+                  <p:par>
+                    <p:cTn id="57" fill="hold">
+                      <p:stCondLst>
+                        <p:cond delay="indefinite"/>
+                      </p:stCondLst>
+                      <p:childTnLst>
+                        <p:par>
+                          <p:cTn id="58" fill="hold">
+                            <p:stCondLst>
+                              <p:cond delay="0"/>
+                            </p:stCondLst>
+                            <p:childTnLst>
+                              <p:par>
+                                <p:cTn id="59" presetID="1" presetClass="entr" presetSubtype="0" fill="hold" grpId="0" nodeType="clickEffect">
+                                  <p:stCondLst>
+                                    <p:cond delay="0"/>
+                                  </p:stCondLst>
+                                  <p:childTnLst>
+                                    <p:set>
+                                      <p:cBhvr>
+                                        <p:cTn id="60" dur="1" fill="hold">
+                                          <p:stCondLst>
+                                            <p:cond delay="199"/>
+                                          </p:stCondLst>
+                                        </p:cTn>
+                                        <p:tgtEl>
+                                          <p:spTgt spid="14">
+                                            <p:bg/>
+                                          </p:spTgt>
+                                        </p:tgtEl>
+                                        <p:attrNameLst>
+                                          <p:attrName>style.visibility</p:attrName>
+                                        </p:attrNameLst>
+                                      </p:cBhvr>
+                                      <p:to>
+                                        <p:strVal val="visible"/>
+                                      </p:to>
+                                    </p:set>
+                                  </p:childTnLst>
+                                </p:cTn>
+                              </p:par>
+                              <p:par>
+                                <p:cTn id="61" presetID="1" presetClass="entr" presetSubtype="0" fill="hold" grpId="0" nodeType="withEffect">
+                                  <p:stCondLst>
+                                    <p:cond delay="0"/>
+                                  </p:stCondLst>
+                                  <p:childTnLst>
+                                    <p:set>
+                                      <p:cBhvr>
+                                        <p:cTn id="62" dur="1" fill="hold">
+                                          <p:stCondLst>
+                                            <p:cond delay="199"/>
+                                          </p:stCondLst>
+                                        </p:cTn>
+                                        <p:tgtEl>
+                                          <p:spTgt spid="14">
+                                            <p:txEl>
+                                              <p:pRg st="0" end="0"/>
+                                            </p:txEl>
+                                          </p:spTgt>
+                                        </p:tgtEl>
+                                        <p:attrNameLst>
+                                          <p:attrName>style.visibility</p:attrName>
+                                        </p:attrNameLst>
+                                      </p:cBhvr>
+                                      <p:to>
+                                        <p:strVal val="visible"/>
+                                      </p:to>
+                                    </p:set>
+                                  </p:childTnLst>
+                                </p:cTn>
+                              </p:par>
+                            </p:childTnLst>
+                          </p:cTn>
+                        </p:par>
+                        <p:par>
+                          <p:cTn id="63" fill="hold">
+                            <p:stCondLst>
+                              <p:cond delay="200"/>
+                            </p:stCondLst>
+                            <p:childTnLst>
+                              <p:par>
+                                <p:cTn id="64" presetID="1" presetClass="entr" presetSubtype="0" fill="hold" grpId="0" nodeType="afterEffect">
+                                  <p:stCondLst>
+                                    <p:cond delay="0"/>
+                                  </p:stCondLst>
+                                  <p:childTnLst>
+                                    <p:set>
+                                      <p:cBhvr>
+                                        <p:cTn id="65" dur="1" fill="hold">
+                                          <p:stCondLst>
+                                            <p:cond delay="499"/>
+                                          </p:stCondLst>
+                                        </p:cTn>
+                                        <p:tgtEl>
+                                          <p:spTgt spid="30">
+                                            <p:bg/>
+                                          </p:spTgt>
+                                        </p:tgtEl>
+                                        <p:attrNameLst>
+                                          <p:attrName>style.visibility</p:attrName>
+                                        </p:attrNameLst>
+                                      </p:cBhvr>
+                                      <p:to>
+                                        <p:strVal val="visible"/>
+                                      </p:to>
+                                    </p:set>
+                                  </p:childTnLst>
+                                </p:cTn>
+                              </p:par>
+                              <p:par>
+                                <p:cTn id="66" presetID="1" presetClass="entr" presetSubtype="0" fill="hold" grpId="0" nodeType="withEffect">
+                                  <p:stCondLst>
+                                    <p:cond delay="0"/>
+                                  </p:stCondLst>
+                                  <p:childTnLst>
+                                    <p:set>
+                                      <p:cBhvr>
+                                        <p:cTn id="67" dur="1" fill="hold">
+                                          <p:stCondLst>
+                                            <p:cond delay="499"/>
+                                          </p:stCondLst>
+                                        </p:cTn>
+                                        <p:tgtEl>
+                                          <p:spTgt spid="30">
+                                            <p:txEl>
+                                              <p:pRg st="0" end="0"/>
+                                            </p:txEl>
+                                          </p:spTgt>
+                                        </p:tgtEl>
+                                        <p:attrNameLst>
+                                          <p:attrName>style.visibility</p:attrName>
+                                        </p:attrNameLst>
+                                      </p:cBhvr>
+                                      <p:to>
+                                        <p:strVal val="visible"/>
+                                      </p:to>
+                                    </p:set>
+                                  </p:childTnLst>
+                                </p:cTn>
+                              </p:par>
+                            </p:childTnLst>
+                          </p:cTn>
+                        </p:par>
+                        <p:par>
+                          <p:cTn id="68" fill="hold">
+                            <p:stCondLst>
+                              <p:cond delay="700"/>
+                            </p:stCondLst>
+                            <p:childTnLst>
+                              <p:par>
+                                <p:cTn id="69" presetID="1" presetClass="entr" presetSubtype="0" fill="hold" grpId="0" nodeType="afterEffect">
+                                  <p:stCondLst>
+                                    <p:cond delay="0"/>
+                                  </p:stCondLst>
+                                  <p:childTnLst>
+                                    <p:set>
+                                      <p:cBhvr>
+                                        <p:cTn id="70" dur="1" fill="hold">
+                                          <p:stCondLst>
+                                            <p:cond delay="499"/>
+                                          </p:stCondLst>
+                                        </p:cTn>
+                                        <p:tgtEl>
+                                          <p:spTgt spid="31">
+                                            <p:bg/>
+                                          </p:spTgt>
+                                        </p:tgtEl>
+                                        <p:attrNameLst>
+                                          <p:attrName>style.visibility</p:attrName>
+                                        </p:attrNameLst>
+                                      </p:cBhvr>
+                                      <p:to>
+                                        <p:strVal val="visible"/>
+                                      </p:to>
+                                    </p:set>
+                                  </p:childTnLst>
+                                </p:cTn>
+                              </p:par>
+                              <p:par>
+                                <p:cTn id="71" presetID="1" presetClass="entr" presetSubtype="0" fill="hold" grpId="0" nodeType="withEffect">
+                                  <p:stCondLst>
+                                    <p:cond delay="0"/>
+                                  </p:stCondLst>
+                                  <p:childTnLst>
+                                    <p:set>
+                                      <p:cBhvr>
+                                        <p:cTn id="72" dur="1" fill="hold">
+                                          <p:stCondLst>
+                                            <p:cond delay="499"/>
+                                          </p:stCondLst>
+                                        </p:cTn>
+                                        <p:tgtEl>
+                                          <p:spTgt spid="31">
+                                            <p:txEl>
+                                              <p:pRg st="0" end="0"/>
+                                            </p:txEl>
+                                          </p:spTgt>
+                                        </p:tgtEl>
+                                        <p:attrNameLst>
+                                          <p:attrName>style.visibility</p:attrName>
+                                        </p:attrNameLst>
+                                      </p:cBhvr>
+                                      <p:to>
+                                        <p:strVal val="visible"/>
+                                      </p:to>
+                                    </p:set>
+                                  </p:childTnLst>
+                                </p:cTn>
+                              </p:par>
+                            </p:childTnLst>
+                          </p:cTn>
+                        </p:par>
+                        <p:par>
+                          <p:cTn id="73" fill="hold">
+                            <p:stCondLst>
+                              <p:cond delay="1200"/>
+                            </p:stCondLst>
+                            <p:childTnLst>
+                              <p:par>
+                                <p:cTn id="74" presetID="1" presetClass="entr" presetSubtype="0" fill="hold" grpId="0" nodeType="afterEffect">
+                                  <p:stCondLst>
+                                    <p:cond delay="0"/>
+                                  </p:stCondLst>
+                                  <p:childTnLst>
+                                    <p:set>
+                                      <p:cBhvr>
+                                        <p:cTn id="75" dur="1" fill="hold">
+                                          <p:stCondLst>
+                                            <p:cond delay="499"/>
+                                          </p:stCondLst>
+                                        </p:cTn>
+                                        <p:tgtEl>
+                                          <p:spTgt spid="32">
+                                            <p:bg/>
+                                          </p:spTgt>
+                                        </p:tgtEl>
+                                        <p:attrNameLst>
+                                          <p:attrName>style.visibility</p:attrName>
+                                        </p:attrNameLst>
+                                      </p:cBhvr>
+                                      <p:to>
+                                        <p:strVal val="visible"/>
+                                      </p:to>
+                                    </p:set>
+                                  </p:childTnLst>
+                                </p:cTn>
+                              </p:par>
+                              <p:par>
+                                <p:cTn id="76" presetID="1" presetClass="entr" presetSubtype="0" fill="hold" grpId="0" nodeType="withEffect">
+                                  <p:stCondLst>
+                                    <p:cond delay="0"/>
+                                  </p:stCondLst>
+                                  <p:childTnLst>
+                                    <p:set>
+                                      <p:cBhvr>
+                                        <p:cTn id="77" dur="1" fill="hold">
+                                          <p:stCondLst>
+                                            <p:cond delay="499"/>
+                                          </p:stCondLst>
+                                        </p:cTn>
+                                        <p:tgtEl>
+                                          <p:spTgt spid="32">
+                                            <p:txEl>
+                                              <p:pRg st="0" end="0"/>
+                                            </p:txEl>
+                                          </p:spTgt>
+                                        </p:tgtEl>
+                                        <p:attrNameLst>
+                                          <p:attrName>style.visibility</p:attrName>
+                                        </p:attrNameLst>
+                                      </p:cBhvr>
+                                      <p:to>
+                                        <p:strVal val="visible"/>
+                                      </p:to>
+                                    </p:set>
+                                  </p:childTnLst>
+                                </p:cTn>
+                              </p:par>
+                            </p:childTnLst>
+                          </p:cTn>
+                        </p:par>
+                      </p:childTnLst>
+                    </p:cTn>
+                  </p:par>
+                  <p:par>
+                    <p:cTn id="78" fill="hold">
+                      <p:stCondLst>
+                        <p:cond delay="indefinite"/>
+                      </p:stCondLst>
+                      <p:childTnLst>
+                        <p:par>
+                          <p:cTn id="79" fill="hold">
+                            <p:stCondLst>
+                              <p:cond delay="0"/>
+                            </p:stCondLst>
+                            <p:childTnLst>
+                              <p:par>
+                                <p:cTn id="80" presetID="1" presetClass="entr" presetSubtype="0" fill="hold" grpId="0" nodeType="clickEffect">
+                                  <p:stCondLst>
+                                    <p:cond delay="0"/>
+                                  </p:stCondLst>
+                                  <p:childTnLst>
+                                    <p:set>
+                                      <p:cBhvr>
+                                        <p:cTn id="81" dur="1" fill="hold">
+                                          <p:stCondLst>
+                                            <p:cond delay="199"/>
+                                          </p:stCondLst>
+                                        </p:cTn>
+                                        <p:tgtEl>
+                                          <p:spTgt spid="49">
+                                            <p:bg/>
+                                          </p:spTgt>
+                                        </p:tgtEl>
+                                        <p:attrNameLst>
+                                          <p:attrName>style.visibility</p:attrName>
+                                        </p:attrNameLst>
+                                      </p:cBhvr>
+                                      <p:to>
+                                        <p:strVal val="visible"/>
+                                      </p:to>
+                                    </p:set>
+                                  </p:childTnLst>
+                                </p:cTn>
+                              </p:par>
+                              <p:par>
+                                <p:cTn id="82" presetID="1" presetClass="entr" presetSubtype="0" fill="hold" grpId="0" nodeType="withEffect">
+                                  <p:stCondLst>
+                                    <p:cond delay="0"/>
+                                  </p:stCondLst>
+                                  <p:childTnLst>
+                                    <p:set>
+                                      <p:cBhvr>
+                                        <p:cTn id="83" dur="1" fill="hold">
+                                          <p:stCondLst>
+                                            <p:cond delay="199"/>
+                                          </p:stCondLst>
+                                        </p:cTn>
+                                        <p:tgtEl>
+                                          <p:spTgt spid="49">
+                                            <p:txEl>
+                                              <p:pRg st="0" end="0"/>
+                                            </p:txEl>
+                                          </p:spTgt>
+                                        </p:tgtEl>
+                                        <p:attrNameLst>
+                                          <p:attrName>style.visibility</p:attrName>
+                                        </p:attrNameLst>
+                                      </p:cBhvr>
+                                      <p:to>
+                                        <p:strVal val="visible"/>
+                                      </p:to>
+                                    </p:set>
+                                  </p:childTnLst>
+                                </p:cTn>
+                              </p:par>
+                              <p:par>
+                                <p:cTn id="84" presetID="1" presetClass="entr" presetSubtype="0" fill="hold" grpId="0" nodeType="withEffect">
+                                  <p:stCondLst>
+                                    <p:cond delay="0"/>
+                                  </p:stCondLst>
+                                  <p:childTnLst>
+                                    <p:set>
+                                      <p:cBhvr>
+                                        <p:cTn id="85" dur="1" fill="hold">
+                                          <p:stCondLst>
+                                            <p:cond delay="199"/>
+                                          </p:stCondLst>
+                                        </p:cTn>
+                                        <p:tgtEl>
+                                          <p:spTgt spid="48">
+                                            <p:bg/>
+                                          </p:spTgt>
+                                        </p:tgtEl>
+                                        <p:attrNameLst>
+                                          <p:attrName>style.visibility</p:attrName>
+                                        </p:attrNameLst>
+                                      </p:cBhvr>
+                                      <p:to>
+                                        <p:strVal val="visible"/>
+                                      </p:to>
+                                    </p:set>
+                                  </p:childTnLst>
+                                </p:cTn>
+                              </p:par>
+                            </p:childTnLst>
+                          </p:cTn>
+                        </p:par>
+                        <p:par>
+                          <p:cTn id="86" fill="hold">
+                            <p:stCondLst>
+                              <p:cond delay="200"/>
+                            </p:stCondLst>
+                            <p:childTnLst>
+                              <p:par>
+                                <p:cTn id="87" presetID="1" presetClass="entr" presetSubtype="0" fill="hold" grpId="0" nodeType="afterEffect">
+                                  <p:stCondLst>
+                                    <p:cond delay="0"/>
+                                  </p:stCondLst>
+                                  <p:childTnLst>
+                                    <p:set>
+                                      <p:cBhvr>
+                                        <p:cTn id="88" dur="1" fill="hold">
+                                          <p:stCondLst>
+                                            <p:cond delay="199"/>
+                                          </p:stCondLst>
+                                        </p:cTn>
+                                        <p:tgtEl>
+                                          <p:spTgt spid="48">
+                                            <p:txEl>
+                                              <p:pRg st="0" end="0"/>
+                                            </p:txEl>
+                                          </p:spTgt>
+                                        </p:tgtEl>
+                                        <p:attrNameLst>
+                                          <p:attrName>style.visibility</p:attrName>
+                                        </p:attrNameLst>
+                                      </p:cBhvr>
+                                      <p:to>
+                                        <p:strVal val="visible"/>
+                                      </p:to>
+                                    </p:set>
+                                  </p:childTnLst>
+                                </p:cTn>
+                              </p:par>
+                            </p:childTnLst>
+                          </p:cTn>
+                        </p:par>
+                        <p:par>
+                          <p:cTn id="89" fill="hold">
+                            <p:stCondLst>
+                              <p:cond delay="400"/>
+                            </p:stCondLst>
+                            <p:childTnLst>
+                              <p:par>
+                                <p:cTn id="90" presetID="1" presetClass="entr" presetSubtype="0" fill="hold" grpId="0" nodeType="afterEffect">
+                                  <p:stCondLst>
+                                    <p:cond delay="0"/>
+                                  </p:stCondLst>
+                                  <p:childTnLst>
+                                    <p:set>
+                                      <p:cBhvr>
+                                        <p:cTn id="91" dur="1" fill="hold">
+                                          <p:stCondLst>
+                                            <p:cond delay="199"/>
+                                          </p:stCondLst>
+                                        </p:cTn>
+                                        <p:tgtEl>
+                                          <p:spTgt spid="47">
+                                            <p:bg/>
+                                          </p:spTgt>
+                                        </p:tgtEl>
+                                        <p:attrNameLst>
+                                          <p:attrName>style.visibility</p:attrName>
+                                        </p:attrNameLst>
+                                      </p:cBhvr>
+                                      <p:to>
+                                        <p:strVal val="visible"/>
+                                      </p:to>
+                                    </p:set>
+                                  </p:childTnLst>
+                                </p:cTn>
+                              </p:par>
+                              <p:par>
+                                <p:cTn id="92" presetID="1" presetClass="entr" presetSubtype="0" fill="hold" grpId="0" nodeType="withEffect">
+                                  <p:stCondLst>
+                                    <p:cond delay="0"/>
+                                  </p:stCondLst>
+                                  <p:childTnLst>
+                                    <p:set>
+                                      <p:cBhvr>
+                                        <p:cTn id="93" dur="1" fill="hold">
+                                          <p:stCondLst>
+                                            <p:cond delay="199"/>
+                                          </p:stCondLst>
+                                        </p:cTn>
+                                        <p:tgtEl>
+                                          <p:spTgt spid="47">
+                                            <p:txEl>
+                                              <p:pRg st="0" end="0"/>
+                                            </p:txEl>
+                                          </p:spTgt>
+                                        </p:tgtEl>
+                                        <p:attrNameLst>
+                                          <p:attrName>style.visibility</p:attrName>
+                                        </p:attrNameLst>
+                                      </p:cBhvr>
+                                      <p:to>
+                                        <p:strVal val="visible"/>
+                                      </p:to>
+                                    </p:set>
+                                  </p:childTnLst>
+                                </p:cTn>
+                              </p:par>
+                            </p:childTnLst>
+                          </p:cTn>
+                        </p:par>
+                        <p:par>
+                          <p:cTn id="94" fill="hold">
+                            <p:stCondLst>
+                              <p:cond delay="600"/>
+                            </p:stCondLst>
+                            <p:childTnLst>
+                              <p:par>
+                                <p:cTn id="95" presetID="1" presetClass="entr" presetSubtype="0" fill="hold" grpId="0" nodeType="afterEffect">
+                                  <p:stCondLst>
+                                    <p:cond delay="0"/>
+                                  </p:stCondLst>
+                                  <p:childTnLst>
+                                    <p:set>
+                                      <p:cBhvr>
+                                        <p:cTn id="96" dur="1" fill="hold">
+                                          <p:stCondLst>
+                                            <p:cond delay="199"/>
+                                          </p:stCondLst>
+                                        </p:cTn>
+                                        <p:tgtEl>
+                                          <p:spTgt spid="5">
+                                            <p:bg/>
+                                          </p:spTgt>
+                                        </p:tgtEl>
+                                        <p:attrNameLst>
+                                          <p:attrName>style.visibility</p:attrName>
+                                        </p:attrNameLst>
+                                      </p:cBhvr>
+                                      <p:to>
+                                        <p:strVal val="visible"/>
+                                      </p:to>
+                                    </p:set>
+                                  </p:childTnLst>
+                                </p:cTn>
+                              </p:par>
+                              <p:par>
+                                <p:cTn id="97" presetID="1" presetClass="entr" presetSubtype="0" fill="hold" grpId="0" nodeType="withEffect">
+                                  <p:stCondLst>
+                                    <p:cond delay="0"/>
+                                  </p:stCondLst>
+                                  <p:childTnLst>
+                                    <p:set>
+                                      <p:cBhvr>
+                                        <p:cTn id="98" dur="1" fill="hold">
+                                          <p:stCondLst>
+                                            <p:cond delay="199"/>
+                                          </p:stCondLst>
+                                        </p:cTn>
+                                        <p:tgtEl>
+                                          <p:spTgt spid="5">
+                                            <p:txEl>
+                                              <p:pRg st="0" end="0"/>
+                                            </p:txEl>
+                                          </p:spTgt>
+                                        </p:tgtEl>
+                                        <p:attrNameLst>
+                                          <p:attrName>style.visibility</p:attrName>
+                                        </p:attrNameLst>
+                                      </p:cBhvr>
+                                      <p:to>
+                                        <p:strVal val="visible"/>
+                                      </p:to>
+                                    </p:set>
+                                  </p:childTnLst>
+                                </p:cTn>
+                              </p:par>
+                            </p:childTnLst>
+                          </p:cTn>
+                        </p:par>
+                        <p:par>
+                          <p:cTn id="99" fill="hold">
+                            <p:stCondLst>
+                              <p:cond delay="800"/>
+                            </p:stCondLst>
+                            <p:childTnLst>
+                              <p:par>
+                                <p:cTn id="100" presetID="1" presetClass="entr" presetSubtype="0" fill="hold" grpId="0" nodeType="afterEffect">
+                                  <p:stCondLst>
+                                    <p:cond delay="0"/>
+                                  </p:stCondLst>
+                                  <p:childTnLst>
+                                    <p:set>
+                                      <p:cBhvr>
+                                        <p:cTn id="101" dur="1" fill="hold">
+                                          <p:stCondLst>
+                                            <p:cond delay="199"/>
+                                          </p:stCondLst>
+                                        </p:cTn>
+                                        <p:tgtEl>
+                                          <p:spTgt spid="15">
+                                            <p:bg/>
+                                          </p:spTgt>
+                                        </p:tgtEl>
+                                        <p:attrNameLst>
+                                          <p:attrName>style.visibility</p:attrName>
+                                        </p:attrNameLst>
+                                      </p:cBhvr>
+                                      <p:to>
+                                        <p:strVal val="visible"/>
+                                      </p:to>
+                                    </p:set>
+                                  </p:childTnLst>
+                                </p:cTn>
+                              </p:par>
+                              <p:par>
+                                <p:cTn id="102" presetID="1" presetClass="entr" presetSubtype="0" fill="hold" grpId="0" nodeType="withEffect">
+                                  <p:stCondLst>
+                                    <p:cond delay="0"/>
+                                  </p:stCondLst>
+                                  <p:childTnLst>
+                                    <p:set>
+                                      <p:cBhvr>
+                                        <p:cTn id="103" dur="1" fill="hold">
+                                          <p:stCondLst>
+                                            <p:cond delay="199"/>
+                                          </p:stCondLst>
+                                        </p:cTn>
+                                        <p:tgtEl>
+                                          <p:spTgt spid="15">
+                                            <p:txEl>
+                                              <p:pRg st="0" end="0"/>
+                                            </p:txEl>
+                                          </p:spTgt>
+                                        </p:tgtEl>
+                                        <p:attrNameLst>
+                                          <p:attrName>style.visibility</p:attrName>
+                                        </p:attrNameLst>
+                                      </p:cBhvr>
+                                      <p:to>
+                                        <p:strVal val="visible"/>
+                                      </p:to>
+                                    </p:set>
+                                  </p:childTnLst>
+                                </p:cTn>
+                              </p:par>
+                            </p:childTnLst>
+                          </p:cTn>
+                        </p:par>
+                        <p:par>
+                          <p:cTn id="104" fill="hold">
+                            <p:stCondLst>
+                              <p:cond delay="1000"/>
+                            </p:stCondLst>
+                            <p:childTnLst>
+                              <p:par>
+                                <p:cTn id="105" presetID="1" presetClass="entr" presetSubtype="0" fill="hold" grpId="0" nodeType="afterEffect">
+                                  <p:stCondLst>
+                                    <p:cond delay="0"/>
+                                  </p:stCondLst>
+                                  <p:childTnLst>
+                                    <p:set>
+                                      <p:cBhvr>
+                                        <p:cTn id="106" dur="1" fill="hold">
+                                          <p:stCondLst>
+                                            <p:cond delay="199"/>
+                                          </p:stCondLst>
+                                        </p:cTn>
+                                        <p:tgtEl>
+                                          <p:spTgt spid="16">
+                                            <p:bg/>
+                                          </p:spTgt>
+                                        </p:tgtEl>
+                                        <p:attrNameLst>
+                                          <p:attrName>style.visibility</p:attrName>
+                                        </p:attrNameLst>
+                                      </p:cBhvr>
+                                      <p:to>
+                                        <p:strVal val="visible"/>
+                                      </p:to>
+                                    </p:set>
+                                  </p:childTnLst>
+                                </p:cTn>
+                              </p:par>
+                              <p:par>
+                                <p:cTn id="107" presetID="1" presetClass="entr" presetSubtype="0" fill="hold" grpId="0" nodeType="withEffect">
+                                  <p:stCondLst>
+                                    <p:cond delay="0"/>
+                                  </p:stCondLst>
+                                  <p:childTnLst>
+                                    <p:set>
+                                      <p:cBhvr>
+                                        <p:cTn id="108" dur="1" fill="hold">
+                                          <p:stCondLst>
+                                            <p:cond delay="199"/>
+                                          </p:stCondLst>
+                                        </p:cTn>
+                                        <p:tgtEl>
+                                          <p:spTgt spid="16">
+                                            <p:txEl>
+                                              <p:pRg st="0" end="0"/>
+                                            </p:txEl>
+                                          </p:spTgt>
+                                        </p:tgtEl>
+                                        <p:attrNameLst>
+                                          <p:attrName>style.visibility</p:attrName>
+                                        </p:attrNameLst>
+                                      </p:cBhvr>
+                                      <p:to>
+                                        <p:strVal val="visible"/>
+                                      </p:to>
+                                    </p:set>
+                                  </p:childTnLst>
+                                </p:cTn>
+                              </p:par>
+                            </p:childTnLst>
+                          </p:cTn>
+                        </p:par>
+                      </p:childTnLst>
+                    </p:cTn>
+                  </p:par>
+                </p:childTnLst>
+              </p:cTn>
+              <p:prevCondLst>
+                <p:cond evt="onPrev" delay="0">
+                  <p:tgtEl>
+                    <p:sldTgt/>
+                  </p:tgtEl>
+                </p:cond>
+              </p:prevCondLst>
+              <p:nextCondLst>
+                <p:cond evt="onNext" delay="0">
+                  <p:tgtEl>
+                    <p:sldTgt/>
+                  </p:tgtEl>
+                </p:cond>
+              </p:nextCondLst>
+            </p:seq>
+          </p:childTnLst>
+        </p:cTn>
+      </p:par>
+    </p:tnLst>
+    <p:bldLst>
+      <p:bldP spid="7" grpId="0" animBg="1"/>
+      <p:bldP spid="8" grpId="0" animBg="1"/>
+      <p:bldP spid="14" grpId="0" uiExpand="1" build="p" animBg="1"/>
+      <p:bldP spid="30" grpId="0" uiExpand="1" build="p" animBg="1"/>
+      <p:bldP spid="31" grpId="0" uiExpand="1" build="p" animBg="1"/>
+      <p:bldP spid="32" grpId="0" uiExpand="1" build="p" animBg="1"/>
+      <p:bldP spid="6" grpId="0" animBg="1"/>
+      <p:bldP spid="38" grpId="0" uiExpand="1" build="p" animBg="1"/>
+      <p:bldP spid="39" grpId="0" uiExpand="1" build="p" animBg="1"/>
+      <p:bldP spid="40" grpId="0" uiExpand="1" build="p" animBg="1"/>
+      <p:bldP spid="41" grpId="0" uiExpand="1" build="p" animBg="1"/>
+      <p:bldP spid="42" grpId="0" uiExpand="1" build="p" animBg="1"/>
+      <p:bldP spid="43" grpId="0" uiExpand="1" build="p" animBg="1"/>
+      <p:bldP spid="44" grpId="0" uiExpand="1" build="p" animBg="1"/>
+      <p:bldP spid="45" grpId="0" uiExpand="1" build="p" animBg="1"/>
+      <p:bldP spid="46" grpId="0" uiExpand="1" build="p" animBg="1"/>
+      <p:bldP spid="47" grpId="0" uiExpand="1" build="p" animBg="1"/>
+      <p:bldP spid="48" grpId="0" uiExpand="1" build="p" animBg="1"/>
+      <p:bldP spid="49" grpId="0" uiExpand="1" build="p" animBg="1"/>
+      <p:bldP spid="5" grpId="0" uiExpand="1" build="p" animBg="1"/>
+      <p:bldP spid="15" grpId="0" uiExpand="1" build="p" animBg="1"/>
+      <p:bldP spid="16" grpId="0" uiExpand="1" build="p" animBg="1"/>
+    </p:bldLst>
+  </p:timing>
 </p:sld>
 </file>
 
@@ -8053,4 +12113,319 @@
     </a:ext>
   </a:extLst>
 </a:theme>
+</file>
+
+<file path=ppt/theme/theme2.xml><?xml version="1.0" encoding="utf-8"?>
+<a:theme xmlns:a="http://schemas.openxmlformats.org/drawingml/2006/main" name="Thème Office">
+  <a:themeElements>
+    <a:clrScheme name="Office">
+      <a:dk1>
+        <a:sysClr val="windowText" lastClr="000000"/>
+      </a:dk1>
+      <a:lt1>
+        <a:sysClr val="window" lastClr="FFFFFF"/>
+      </a:lt1>
+      <a:dk2>
+        <a:srgbClr val="0E2841"/>
+      </a:dk2>
+      <a:lt2>
+        <a:srgbClr val="E8E8E8"/>
+      </a:lt2>
+      <a:accent1>
+        <a:srgbClr val="156082"/>
+      </a:accent1>
+      <a:accent2>
+        <a:srgbClr val="E97132"/>
+      </a:accent2>
+      <a:accent3>
+        <a:srgbClr val="196B24"/>
+      </a:accent3>
+      <a:accent4>
+        <a:srgbClr val="0F9ED5"/>
+      </a:accent4>
+      <a:accent5>
+        <a:srgbClr val="A02B93"/>
+      </a:accent5>
+      <a:accent6>
+        <a:srgbClr val="4EA72E"/>
+      </a:accent6>
+      <a:hlink>
+        <a:srgbClr val="467886"/>
+      </a:hlink>
+      <a:folHlink>
+        <a:srgbClr val="96607D"/>
+      </a:folHlink>
+    </a:clrScheme>
+    <a:fontScheme name="Office">
+      <a:majorFont>
+        <a:latin typeface="Aptos Display" panose="02110004020202020204"/>
+        <a:ea typeface=""/>
+        <a:cs typeface=""/>
+        <a:font script="Jpan" typeface="游ゴシック Light"/>
+        <a:font script="Hang" typeface="맑은 고딕"/>
+        <a:font script="Hans" typeface="等线 Light"/>
+        <a:font script="Hant" typeface="新細明體"/>
+        <a:font script="Arab" typeface="Times New Roman"/>
+        <a:font script="Hebr" typeface="Times New Roman"/>
+        <a:font script="Thai" typeface="Angsana New"/>
+        <a:font script="Ethi" typeface="Nyala"/>
+        <a:font script="Beng" typeface="Vrinda"/>
+        <a:font script="Gujr" typeface="Shruti"/>
+        <a:font script="Khmr" typeface="MoolBoran"/>
+        <a:font script="Knda" typeface="Tunga"/>
+        <a:font script="Guru" typeface="Raavi"/>
+        <a:font script="Cans" typeface="Euphemia"/>
+        <a:font script="Cher" typeface="Plantagenet Cherokee"/>
+        <a:font script="Yiii" typeface="Microsoft Yi Baiti"/>
+        <a:font script="Tibt" typeface="Microsoft Himalaya"/>
+        <a:font script="Thaa" typeface="MV Boli"/>
+        <a:font script="Deva" typeface="Mangal"/>
+        <a:font script="Telu" typeface="Gautami"/>
+        <a:font script="Taml" typeface="Latha"/>
+        <a:font script="Syrc" typeface="Estrangelo Edessa"/>
+        <a:font script="Orya" typeface="Kalinga"/>
+        <a:font script="Mlym" typeface="Kartika"/>
+        <a:font script="Laoo" typeface="DokChampa"/>
+        <a:font script="Sinh" typeface="Iskoola Pota"/>
+        <a:font script="Mong" typeface="Mongolian Baiti"/>
+        <a:font script="Viet" typeface="Times New Roman"/>
+        <a:font script="Uigh" typeface="Microsoft Uighur"/>
+        <a:font script="Geor" typeface="Sylfaen"/>
+        <a:font script="Armn" typeface="Arial"/>
+        <a:font script="Bugi" typeface="Leelawadee UI"/>
+        <a:font script="Bopo" typeface="Microsoft JhengHei"/>
+        <a:font script="Java" typeface="Javanese Text"/>
+        <a:font script="Lisu" typeface="Segoe UI"/>
+        <a:font script="Mymr" typeface="Myanmar Text"/>
+        <a:font script="Nkoo" typeface="Ebrima"/>
+        <a:font script="Olck" typeface="Nirmala UI"/>
+        <a:font script="Osma" typeface="Ebrima"/>
+        <a:font script="Phag" typeface="Phagspa"/>
+        <a:font script="Syrn" typeface="Estrangelo Edessa"/>
+        <a:font script="Syrj" typeface="Estrangelo Edessa"/>
+        <a:font script="Syre" typeface="Estrangelo Edessa"/>
+        <a:font script="Sora" typeface="Nirmala UI"/>
+        <a:font script="Tale" typeface="Microsoft Tai Le"/>
+        <a:font script="Talu" typeface="Microsoft New Tai Lue"/>
+        <a:font script="Tfng" typeface="Ebrima"/>
+      </a:majorFont>
+      <a:minorFont>
+        <a:latin typeface="Aptos" panose="02110004020202020204"/>
+        <a:ea typeface=""/>
+        <a:cs typeface=""/>
+        <a:font script="Jpan" typeface="游ゴシック"/>
+        <a:font script="Hang" typeface="맑은 고딕"/>
+        <a:font script="Hans" typeface="等线"/>
+        <a:font script="Hant" typeface="新細明體"/>
+        <a:font script="Arab" typeface="Arial"/>
+        <a:font script="Hebr" typeface="Arial"/>
+        <a:font script="Thai" typeface="Cordia New"/>
+        <a:font script="Ethi" typeface="Nyala"/>
+        <a:font script="Beng" typeface="Vrinda"/>
+        <a:font script="Gujr" typeface="Shruti"/>
+        <a:font script="Khmr" typeface="DaunPenh"/>
+        <a:font script="Knda" typeface="Tunga"/>
+        <a:font script="Guru" typeface="Raavi"/>
+        <a:font script="Cans" typeface="Euphemia"/>
+        <a:font script="Cher" typeface="Plantagenet Cherokee"/>
+        <a:font script="Yiii" typeface="Microsoft Yi Baiti"/>
+        <a:font script="Tibt" typeface="Microsoft Himalaya"/>
+        <a:font script="Thaa" typeface="MV Boli"/>
+        <a:font script="Deva" typeface="Mangal"/>
+        <a:font script="Telu" typeface="Gautami"/>
+        <a:font script="Taml" typeface="Latha"/>
+        <a:font script="Syrc" typeface="Estrangelo Edessa"/>
+        <a:font script="Orya" typeface="Kalinga"/>
+        <a:font script="Mlym" typeface="Kartika"/>
+        <a:font script="Laoo" typeface="DokChampa"/>
+        <a:font script="Sinh" typeface="Iskoola Pota"/>
+        <a:font script="Mong" typeface="Mongolian Baiti"/>
+        <a:font script="Viet" typeface="Arial"/>
+        <a:font script="Uigh" typeface="Microsoft Uighur"/>
+        <a:font script="Geor" typeface="Sylfaen"/>
+        <a:font script="Armn" typeface="Arial"/>
+        <a:font script="Bugi" typeface="Leelawadee UI"/>
+        <a:font script="Bopo" typeface="Microsoft JhengHei"/>
+        <a:font script="Java" typeface="Javanese Text"/>
+        <a:font script="Lisu" typeface="Segoe UI"/>
+        <a:font script="Mymr" typeface="Myanmar Text"/>
+        <a:font script="Nkoo" typeface="Ebrima"/>
+        <a:font script="Olck" typeface="Nirmala UI"/>
+        <a:font script="Osma" typeface="Ebrima"/>
+        <a:font script="Phag" typeface="Phagspa"/>
+        <a:font script="Syrn" typeface="Estrangelo Edessa"/>
+        <a:font script="Syrj" typeface="Estrangelo Edessa"/>
+        <a:font script="Syre" typeface="Estrangelo Edessa"/>
+        <a:font script="Sora" typeface="Nirmala UI"/>
+        <a:font script="Tale" typeface="Microsoft Tai Le"/>
+        <a:font script="Talu" typeface="Microsoft New Tai Lue"/>
+        <a:font script="Tfng" typeface="Ebrima"/>
+      </a:minorFont>
+    </a:fontScheme>
+    <a:fmtScheme name="Office">
+      <a:fillStyleLst>
+        <a:solidFill>
+          <a:schemeClr val="phClr"/>
+        </a:solidFill>
+        <a:gradFill rotWithShape="1">
+          <a:gsLst>
+            <a:gs pos="0">
+              <a:schemeClr val="phClr">
+                <a:lumMod val="110000"/>
+                <a:satMod val="105000"/>
+                <a:tint val="67000"/>
+              </a:schemeClr>
+            </a:gs>
+            <a:gs pos="50000">
+              <a:schemeClr val="phClr">
+                <a:lumMod val="105000"/>
+                <a:satMod val="103000"/>
+                <a:tint val="73000"/>
+              </a:schemeClr>
+            </a:gs>
+            <a:gs pos="100000">
+              <a:schemeClr val="phClr">
+                <a:lumMod val="105000"/>
+                <a:satMod val="109000"/>
+                <a:tint val="81000"/>
+              </a:schemeClr>
+            </a:gs>
+          </a:gsLst>
+          <a:lin ang="5400000" scaled="0"/>
+        </a:gradFill>
+        <a:gradFill rotWithShape="1">
+          <a:gsLst>
+            <a:gs pos="0">
+              <a:schemeClr val="phClr">
+                <a:satMod val="103000"/>
+                <a:lumMod val="102000"/>
+                <a:tint val="94000"/>
+              </a:schemeClr>
+            </a:gs>
+            <a:gs pos="50000">
+              <a:schemeClr val="phClr">
+                <a:satMod val="110000"/>
+                <a:lumMod val="100000"/>
+                <a:shade val="100000"/>
+              </a:schemeClr>
+            </a:gs>
+            <a:gs pos="100000">
+              <a:schemeClr val="phClr">
+                <a:lumMod val="99000"/>
+                <a:satMod val="120000"/>
+                <a:shade val="78000"/>
+              </a:schemeClr>
+            </a:gs>
+          </a:gsLst>
+          <a:lin ang="5400000" scaled="0"/>
+        </a:gradFill>
+      </a:fillStyleLst>
+      <a:lnStyleLst>
+        <a:ln w="12700" cap="flat" cmpd="sng" algn="ctr">
+          <a:solidFill>
+            <a:schemeClr val="phClr"/>
+          </a:solidFill>
+          <a:prstDash val="solid"/>
+          <a:miter lim="800000"/>
+        </a:ln>
+        <a:ln w="19050" cap="flat" cmpd="sng" algn="ctr">
+          <a:solidFill>
+            <a:schemeClr val="phClr"/>
+          </a:solidFill>
+          <a:prstDash val="solid"/>
+          <a:miter lim="800000"/>
+        </a:ln>
+        <a:ln w="25400" cap="flat" cmpd="sng" algn="ctr">
+          <a:solidFill>
+            <a:schemeClr val="phClr"/>
+          </a:solidFill>
+          <a:prstDash val="solid"/>
+          <a:miter lim="800000"/>
+        </a:ln>
+      </a:lnStyleLst>
+      <a:effectStyleLst>
+        <a:effectStyle>
+          <a:effectLst/>
+        </a:effectStyle>
+        <a:effectStyle>
+          <a:effectLst/>
+        </a:effectStyle>
+        <a:effectStyle>
+          <a:effectLst>
+            <a:outerShdw blurRad="57150" dist="19050" dir="5400000" algn="ctr" rotWithShape="0">
+              <a:srgbClr val="000000">
+                <a:alpha val="63000"/>
+              </a:srgbClr>
+            </a:outerShdw>
+          </a:effectLst>
+        </a:effectStyle>
+      </a:effectStyleLst>
+      <a:bgFillStyleLst>
+        <a:solidFill>
+          <a:schemeClr val="phClr"/>
+        </a:solidFill>
+        <a:solidFill>
+          <a:schemeClr val="phClr">
+            <a:tint val="95000"/>
+            <a:satMod val="170000"/>
+          </a:schemeClr>
+        </a:solidFill>
+        <a:gradFill rotWithShape="1">
+          <a:gsLst>
+            <a:gs pos="0">
+              <a:schemeClr val="phClr">
+                <a:tint val="93000"/>
+                <a:satMod val="150000"/>
+                <a:shade val="98000"/>
+                <a:lumMod val="102000"/>
+              </a:schemeClr>
+            </a:gs>
+            <a:gs pos="50000">
+              <a:schemeClr val="phClr">
+                <a:tint val="98000"/>
+                <a:satMod val="130000"/>
+                <a:shade val="90000"/>
+                <a:lumMod val="103000"/>
+              </a:schemeClr>
+            </a:gs>
+            <a:gs pos="100000">
+              <a:schemeClr val="phClr">
+                <a:shade val="63000"/>
+                <a:satMod val="120000"/>
+              </a:schemeClr>
+            </a:gs>
+          </a:gsLst>
+          <a:lin ang="5400000" scaled="0"/>
+        </a:gradFill>
+      </a:bgFillStyleLst>
+    </a:fmtScheme>
+  </a:themeElements>
+  <a:objectDefaults>
+    <a:lnDef>
+      <a:spPr/>
+      <a:bodyPr/>
+      <a:lstStyle/>
+      <a:style>
+        <a:lnRef idx="2">
+          <a:schemeClr val="accent1"/>
+        </a:lnRef>
+        <a:fillRef idx="0">
+          <a:schemeClr val="accent1"/>
+        </a:fillRef>
+        <a:effectRef idx="1">
+          <a:schemeClr val="accent1"/>
+        </a:effectRef>
+        <a:fontRef idx="minor">
+          <a:schemeClr val="tx1"/>
+        </a:fontRef>
+      </a:style>
+    </a:lnDef>
+  </a:objectDefaults>
+  <a:extraClrSchemeLst/>
+  <a:extLst>
+    <a:ext uri="{05A4C25C-085E-4340-85A3-A5531E510DB2}">
+      <thm15:themeFamily xmlns:thm15="http://schemas.microsoft.com/office/thememl/2012/main" name="Office Theme" id="{2E142A2C-CD16-42D6-873A-C26D2A0506FA}" vid="{1BDDFF52-6CD6-40A5-AB3C-68EB2F1E4D0A}"/>
+    </a:ext>
+  </a:extLst>
+</a:theme>
 </file>